--- a/Performance PowerShell/Performance Powershell.pptx
+++ b/Performance PowerShell/Performance Powershell.pptx
@@ -5,7 +5,7 @@
     <p:sldMasterId id="2147483648" r:id="rId4"/>
   </p:sldMasterIdLst>
   <p:notesMasterIdLst>
-    <p:notesMasterId r:id="rId33"/>
+    <p:notesMasterId r:id="rId34"/>
   </p:notesMasterIdLst>
   <p:sldIdLst>
     <p:sldId id="256" r:id="rId5"/>
@@ -19,23 +19,24 @@
     <p:sldId id="286" r:id="rId13"/>
     <p:sldId id="258" r:id="rId14"/>
     <p:sldId id="259" r:id="rId15"/>
-    <p:sldId id="260" r:id="rId16"/>
-    <p:sldId id="278" r:id="rId17"/>
-    <p:sldId id="262" r:id="rId18"/>
-    <p:sldId id="263" r:id="rId19"/>
-    <p:sldId id="264" r:id="rId20"/>
-    <p:sldId id="265" r:id="rId21"/>
-    <p:sldId id="266" r:id="rId22"/>
-    <p:sldId id="267" r:id="rId23"/>
-    <p:sldId id="268" r:id="rId24"/>
-    <p:sldId id="269" r:id="rId25"/>
-    <p:sldId id="270" r:id="rId26"/>
-    <p:sldId id="271" r:id="rId27"/>
-    <p:sldId id="272" r:id="rId28"/>
-    <p:sldId id="273" r:id="rId29"/>
-    <p:sldId id="274" r:id="rId30"/>
-    <p:sldId id="275" r:id="rId31"/>
-    <p:sldId id="276" r:id="rId32"/>
+    <p:sldId id="287" r:id="rId16"/>
+    <p:sldId id="260" r:id="rId17"/>
+    <p:sldId id="278" r:id="rId18"/>
+    <p:sldId id="262" r:id="rId19"/>
+    <p:sldId id="263" r:id="rId20"/>
+    <p:sldId id="264" r:id="rId21"/>
+    <p:sldId id="265" r:id="rId22"/>
+    <p:sldId id="266" r:id="rId23"/>
+    <p:sldId id="267" r:id="rId24"/>
+    <p:sldId id="268" r:id="rId25"/>
+    <p:sldId id="269" r:id="rId26"/>
+    <p:sldId id="270" r:id="rId27"/>
+    <p:sldId id="271" r:id="rId28"/>
+    <p:sldId id="272" r:id="rId29"/>
+    <p:sldId id="273" r:id="rId30"/>
+    <p:sldId id="274" r:id="rId31"/>
+    <p:sldId id="275" r:id="rId32"/>
+    <p:sldId id="276" r:id="rId33"/>
   </p:sldIdLst>
   <p:sldSz cx="12192000" cy="6858000"/>
   <p:notesSz cx="6858000" cy="9144000"/>
@@ -161,6 +162,7 @@
         <p14:section name="Closing" id="{49CB15AC-FD56-4AAC-8B8A-68CF2CB85A39}">
           <p14:sldIdLst>
             <p14:sldId id="259"/>
+            <p14:sldId id="287"/>
           </p14:sldIdLst>
         </p14:section>
         <p14:section name="Example Slides" id="{D40DF97A-9355-449E-B0A8-867351E4EBAE}">
@@ -282,7 +284,7 @@
           <a:p>
             <a:fld id="{EC2CC04A-C335-487A-8178-6C90F0F29C95}" type="datetimeFigureOut">
               <a:rPr lang="en-US" smtClean="0"/>
-              <a:t>9/6/2019</a:t>
+              <a:t>10/8/2019</a:t>
             </a:fld>
             <a:endParaRPr lang="en-US"/>
           </a:p>
@@ -5586,6 +5588,105 @@
 </file>
 
 <file path=ppt/slides/slide12.xml><?xml version="1.0" encoding="utf-8"?>
+<p:sld xmlns:a="http://schemas.openxmlformats.org/drawingml/2006/main" xmlns:r="http://schemas.openxmlformats.org/officeDocument/2006/relationships" xmlns:p="http://schemas.openxmlformats.org/presentationml/2006/main">
+  <p:cSld>
+    <p:spTree>
+      <p:nvGrpSpPr>
+        <p:cNvPr id="1" name=""/>
+        <p:cNvGrpSpPr/>
+        <p:nvPr/>
+      </p:nvGrpSpPr>
+      <p:grpSpPr>
+        <a:xfrm>
+          <a:off x="0" y="0"/>
+          <a:ext cx="0" cy="0"/>
+          <a:chOff x="0" y="0"/>
+          <a:chExt cx="0" cy="0"/>
+        </a:xfrm>
+      </p:grpSpPr>
+      <p:sp>
+        <p:nvSpPr>
+          <p:cNvPr id="3" name="Title 2">
+            <a:extLst>
+              <a:ext uri="{FF2B5EF4-FFF2-40B4-BE49-F238E27FC236}">
+                <a16:creationId xmlns:a16="http://schemas.microsoft.com/office/drawing/2014/main" id="{13E60C6C-F4B1-4AF9-8042-8E9D9458A630}"/>
+              </a:ext>
+            </a:extLst>
+          </p:cNvPr>
+          <p:cNvSpPr>
+            <a:spLocks noGrp="1"/>
+          </p:cNvSpPr>
+          <p:nvPr>
+            <p:ph type="title"/>
+          </p:nvPr>
+        </p:nvSpPr>
+        <p:spPr/>
+        <p:txBody>
+          <a:bodyPr/>
+          <a:lstStyle/>
+          <a:p>
+            <a:r>
+              <a:rPr lang="en-US" dirty="0"/>
+              <a:t>Resources/Additional Reading</a:t>
+            </a:r>
+          </a:p>
+        </p:txBody>
+      </p:sp>
+      <p:sp>
+        <p:nvSpPr>
+          <p:cNvPr id="4" name="Content Placeholder 3">
+            <a:extLst>
+              <a:ext uri="{FF2B5EF4-FFF2-40B4-BE49-F238E27FC236}">
+                <a16:creationId xmlns:a16="http://schemas.microsoft.com/office/drawing/2014/main" id="{270665D2-6D6D-4D58-BEBF-4D58739D1FD3}"/>
+              </a:ext>
+            </a:extLst>
+          </p:cNvPr>
+          <p:cNvSpPr>
+            <a:spLocks noGrp="1"/>
+          </p:cNvSpPr>
+          <p:nvPr>
+            <p:ph idx="1"/>
+          </p:nvPr>
+        </p:nvSpPr>
+        <p:spPr/>
+        <p:txBody>
+          <a:bodyPr/>
+          <a:lstStyle/>
+          <a:p>
+            <a:r>
+              <a:rPr lang="en-US" dirty="0"/>
+              <a:t>Github.com/</a:t>
+            </a:r>
+            <a:r>
+              <a:rPr lang="en-US" dirty="0" err="1"/>
+              <a:t>DumpsterDave</a:t>
+            </a:r>
+            <a:r>
+              <a:rPr lang="en-US" dirty="0"/>
+              <a:t>/</a:t>
+            </a:r>
+            <a:r>
+              <a:rPr lang="en-US" dirty="0" err="1"/>
+              <a:t>MMSJazz</a:t>
+            </a:r>
+            <a:endParaRPr lang="en-US" dirty="0"/>
+          </a:p>
+        </p:txBody>
+      </p:sp>
+    </p:spTree>
+    <p:extLst>
+      <p:ext uri="{BB962C8B-B14F-4D97-AF65-F5344CB8AC3E}">
+        <p14:creationId xmlns:p14="http://schemas.microsoft.com/office/powerpoint/2010/main" val="1547953990"/>
+      </p:ext>
+    </p:extLst>
+  </p:cSld>
+  <p:clrMapOvr>
+    <a:masterClrMapping/>
+  </p:clrMapOvr>
+</p:sld>
+</file>
+
+<file path=ppt/slides/slide13.xml><?xml version="1.0" encoding="utf-8"?>
 <p:sld xmlns:a="http://schemas.openxmlformats.org/drawingml/2006/main" xmlns:r="http://schemas.openxmlformats.org/officeDocument/2006/relationships" xmlns:p="http://schemas.openxmlformats.org/presentationml/2006/main" show="0">
   <p:cSld>
     <p:spTree>
@@ -5659,7 +5760,7 @@
 </p:sld>
 </file>
 
-<file path=ppt/slides/slide13.xml><?xml version="1.0" encoding="utf-8"?>
+<file path=ppt/slides/slide14.xml><?xml version="1.0" encoding="utf-8"?>
 <p:sld xmlns:a="http://schemas.openxmlformats.org/drawingml/2006/main" xmlns:r="http://schemas.openxmlformats.org/officeDocument/2006/relationships" xmlns:p="http://schemas.openxmlformats.org/presentationml/2006/main" show="0">
   <p:cSld>
     <p:spTree>
@@ -5757,7 +5858,7 @@
 </p:sld>
 </file>
 
-<file path=ppt/slides/slide14.xml><?xml version="1.0" encoding="utf-8"?>
+<file path=ppt/slides/slide15.xml><?xml version="1.0" encoding="utf-8"?>
 <p:sld xmlns:a="http://schemas.openxmlformats.org/drawingml/2006/main" xmlns:r="http://schemas.openxmlformats.org/officeDocument/2006/relationships" xmlns:p="http://schemas.openxmlformats.org/presentationml/2006/main" show="0">
   <p:cSld>
     <p:spTree>
@@ -5831,7 +5932,7 @@
 </p:sld>
 </file>
 
-<file path=ppt/slides/slide15.xml><?xml version="1.0" encoding="utf-8"?>
+<file path=ppt/slides/slide16.xml><?xml version="1.0" encoding="utf-8"?>
 <p:sld xmlns:a="http://schemas.openxmlformats.org/drawingml/2006/main" xmlns:r="http://schemas.openxmlformats.org/officeDocument/2006/relationships" xmlns:p="http://schemas.openxmlformats.org/presentationml/2006/main" show="0">
   <p:cSld>
     <p:spTree>
@@ -5904,7 +6005,7 @@
 </p:sld>
 </file>
 
-<file path=ppt/slides/slide16.xml><?xml version="1.0" encoding="utf-8"?>
+<file path=ppt/slides/slide17.xml><?xml version="1.0" encoding="utf-8"?>
 <p:sld xmlns:a="http://schemas.openxmlformats.org/drawingml/2006/main" xmlns:r="http://schemas.openxmlformats.org/officeDocument/2006/relationships" xmlns:p="http://schemas.openxmlformats.org/presentationml/2006/main" show="0">
   <p:cSld>
     <p:spTree>
@@ -5977,7 +6078,7 @@
 </p:sld>
 </file>
 
-<file path=ppt/slides/slide17.xml><?xml version="1.0" encoding="utf-8"?>
+<file path=ppt/slides/slide18.xml><?xml version="1.0" encoding="utf-8"?>
 <p:sld xmlns:a="http://schemas.openxmlformats.org/drawingml/2006/main" xmlns:r="http://schemas.openxmlformats.org/officeDocument/2006/relationships" xmlns:p="http://schemas.openxmlformats.org/presentationml/2006/main" show="0">
   <p:cSld>
     <p:spTree>
@@ -6121,7 +6222,7 @@
 </p:sld>
 </file>
 
-<file path=ppt/slides/slide18.xml><?xml version="1.0" encoding="utf-8"?>
+<file path=ppt/slides/slide19.xml><?xml version="1.0" encoding="utf-8"?>
 <p:sld xmlns:a="http://schemas.openxmlformats.org/drawingml/2006/main" xmlns:r="http://schemas.openxmlformats.org/officeDocument/2006/relationships" xmlns:p="http://schemas.openxmlformats.org/presentationml/2006/main" show="0">
   <p:cSld>
     <p:spTree>
@@ -6300,58 +6401,6 @@
     <p:extLst>
       <p:ext uri="{BB962C8B-B14F-4D97-AF65-F5344CB8AC3E}">
         <p14:creationId xmlns:p14="http://schemas.microsoft.com/office/powerpoint/2010/main" val="3003455065"/>
-      </p:ext>
-    </p:extLst>
-  </p:cSld>
-  <p:clrMapOvr>
-    <a:masterClrMapping/>
-  </p:clrMapOvr>
-</p:sld>
-</file>
-
-<file path=ppt/slides/slide19.xml><?xml version="1.0" encoding="utf-8"?>
-<p:sld xmlns:a="http://schemas.openxmlformats.org/drawingml/2006/main" xmlns:r="http://schemas.openxmlformats.org/officeDocument/2006/relationships" xmlns:p="http://schemas.openxmlformats.org/presentationml/2006/main" show="0">
-  <p:cSld>
-    <p:spTree>
-      <p:nvGrpSpPr>
-        <p:cNvPr id="1" name=""/>
-        <p:cNvGrpSpPr/>
-        <p:nvPr/>
-      </p:nvGrpSpPr>
-      <p:grpSpPr>
-        <a:xfrm>
-          <a:off x="0" y="0"/>
-          <a:ext cx="0" cy="0"/>
-          <a:chOff x="0" y="0"/>
-          <a:chExt cx="0" cy="0"/>
-        </a:xfrm>
-      </p:grpSpPr>
-      <p:sp>
-        <p:nvSpPr>
-          <p:cNvPr id="7" name="Text Placeholder 6"/>
-          <p:cNvSpPr>
-            <a:spLocks noGrp="1"/>
-          </p:cNvSpPr>
-          <p:nvPr>
-            <p:ph type="body" idx="1"/>
-          </p:nvPr>
-        </p:nvSpPr>
-        <p:spPr/>
-        <p:txBody>
-          <a:bodyPr/>
-          <a:lstStyle/>
-          <a:p>
-            <a:r>
-              <a:rPr lang="en-US" dirty="0"/>
-              <a:t>Demo Title</a:t>
-            </a:r>
-          </a:p>
-        </p:txBody>
-      </p:sp>
-    </p:spTree>
-    <p:extLst>
-      <p:ext uri="{BB962C8B-B14F-4D97-AF65-F5344CB8AC3E}">
-        <p14:creationId xmlns:p14="http://schemas.microsoft.com/office/powerpoint/2010/main" val="3216050713"/>
       </p:ext>
     </p:extLst>
   </p:cSld>
@@ -6643,875 +6692,32 @@
           <a:chExt cx="0" cy="0"/>
         </a:xfrm>
       </p:grpSpPr>
-      <p:pic>
-        <p:nvPicPr>
-          <p:cNvPr id="11" name="Picture 10"/>
-          <p:cNvPicPr>
-            <a:picLocks noChangeAspect="1"/>
-          </p:cNvPicPr>
-          <p:nvPr/>
-        </p:nvPicPr>
-        <p:blipFill>
-          <a:blip r:embed="rId2">
-            <a:extLst>
-              <a:ext uri="{28A0092B-C50C-407E-A947-70E740481C1C}">
-                <a14:useLocalDpi xmlns:a14="http://schemas.microsoft.com/office/drawing/2010/main" val="0"/>
-              </a:ext>
-            </a:extLst>
-          </a:blip>
-          <a:stretch>
-            <a:fillRect/>
-          </a:stretch>
-        </p:blipFill>
-        <p:spPr>
-          <a:xfrm>
-            <a:off x="2207458" y="453313"/>
-            <a:ext cx="457200" cy="457200"/>
-          </a:xfrm>
-          <a:prstGeom prst="rect">
-            <a:avLst/>
-          </a:prstGeom>
-        </p:spPr>
-      </p:pic>
-      <p:pic>
-        <p:nvPicPr>
-          <p:cNvPr id="12" name="Picture 11"/>
-          <p:cNvPicPr>
-            <a:picLocks noChangeAspect="1"/>
-          </p:cNvPicPr>
-          <p:nvPr/>
-        </p:nvPicPr>
-        <p:blipFill>
-          <a:blip r:embed="rId3">
-            <a:extLst>
-              <a:ext uri="{28A0092B-C50C-407E-A947-70E740481C1C}">
-                <a14:useLocalDpi xmlns:a14="http://schemas.microsoft.com/office/drawing/2010/main" val="0"/>
-              </a:ext>
-            </a:extLst>
-          </a:blip>
-          <a:stretch>
-            <a:fillRect/>
-          </a:stretch>
-        </p:blipFill>
-        <p:spPr>
-          <a:xfrm>
-            <a:off x="1294229" y="453399"/>
-            <a:ext cx="457200" cy="457200"/>
-          </a:xfrm>
-          <a:prstGeom prst="rect">
-            <a:avLst/>
-          </a:prstGeom>
-        </p:spPr>
-      </p:pic>
-      <p:pic>
-        <p:nvPicPr>
-          <p:cNvPr id="13" name="Picture 12"/>
-          <p:cNvPicPr>
-            <a:picLocks noChangeAspect="1"/>
-          </p:cNvPicPr>
-          <p:nvPr/>
-        </p:nvPicPr>
-        <p:blipFill>
-          <a:blip r:embed="rId4">
-            <a:extLst>
-              <a:ext uri="{28A0092B-C50C-407E-A947-70E740481C1C}">
-                <a14:useLocalDpi xmlns:a14="http://schemas.microsoft.com/office/drawing/2010/main" val="0"/>
-              </a:ext>
-            </a:extLst>
-          </a:blip>
-          <a:stretch>
-            <a:fillRect/>
-          </a:stretch>
-        </p:blipFill>
-        <p:spPr>
-          <a:xfrm>
-            <a:off x="381000" y="453399"/>
-            <a:ext cx="457200" cy="457200"/>
-          </a:xfrm>
-          <a:prstGeom prst="rect">
-            <a:avLst/>
-          </a:prstGeom>
-        </p:spPr>
-      </p:pic>
-      <p:pic>
-        <p:nvPicPr>
-          <p:cNvPr id="15" name="Picture 14"/>
-          <p:cNvPicPr>
-            <a:picLocks noChangeAspect="1"/>
-          </p:cNvPicPr>
-          <p:nvPr/>
-        </p:nvPicPr>
-        <p:blipFill>
-          <a:blip r:embed="rId5">
-            <a:lum bright="70000" contrast="-70000"/>
-            <a:extLst>
-              <a:ext uri="{28A0092B-C50C-407E-A947-70E740481C1C}">
-                <a14:useLocalDpi xmlns:a14="http://schemas.microsoft.com/office/drawing/2010/main" val="0"/>
-              </a:ext>
-            </a:extLst>
-          </a:blip>
-          <a:stretch>
-            <a:fillRect/>
-          </a:stretch>
-        </p:blipFill>
-        <p:spPr>
-          <a:xfrm>
-            <a:off x="303629" y="1070428"/>
-            <a:ext cx="1219200" cy="1219200"/>
-          </a:xfrm>
-          <a:prstGeom prst="rect">
-            <a:avLst/>
-          </a:prstGeom>
-        </p:spPr>
-      </p:pic>
-      <p:pic>
-        <p:nvPicPr>
-          <p:cNvPr id="279" name="Picture 278"/>
-          <p:cNvPicPr>
-            <a:picLocks noChangeAspect="1"/>
-          </p:cNvPicPr>
-          <p:nvPr/>
-        </p:nvPicPr>
-        <p:blipFill>
-          <a:blip r:embed="rId6">
-            <a:lum bright="70000" contrast="-70000"/>
-            <a:extLst>
-              <a:ext uri="{28A0092B-C50C-407E-A947-70E740481C1C}">
-                <a14:useLocalDpi xmlns:a14="http://schemas.microsoft.com/office/drawing/2010/main" val="0"/>
-              </a:ext>
-            </a:extLst>
-          </a:blip>
-          <a:stretch>
-            <a:fillRect/>
-          </a:stretch>
-        </p:blipFill>
-        <p:spPr>
-          <a:xfrm>
-            <a:off x="2950029" y="1070428"/>
-            <a:ext cx="1219200" cy="1219200"/>
-          </a:xfrm>
-          <a:prstGeom prst="rect">
-            <a:avLst/>
-          </a:prstGeom>
-        </p:spPr>
-      </p:pic>
-      <p:pic>
-        <p:nvPicPr>
-          <p:cNvPr id="280" name="Picture 279"/>
-          <p:cNvPicPr>
-            <a:picLocks noChangeAspect="1"/>
-          </p:cNvPicPr>
-          <p:nvPr/>
-        </p:nvPicPr>
-        <p:blipFill>
-          <a:blip r:embed="rId7">
-            <a:lum bright="70000" contrast="-70000"/>
-            <a:extLst>
-              <a:ext uri="{28A0092B-C50C-407E-A947-70E740481C1C}">
-                <a14:useLocalDpi xmlns:a14="http://schemas.microsoft.com/office/drawing/2010/main" val="0"/>
-              </a:ext>
-            </a:extLst>
-          </a:blip>
-          <a:stretch>
-            <a:fillRect/>
-          </a:stretch>
-        </p:blipFill>
-        <p:spPr>
-          <a:xfrm>
-            <a:off x="1626829" y="1070428"/>
-            <a:ext cx="1219200" cy="1219200"/>
-          </a:xfrm>
-          <a:prstGeom prst="rect">
-            <a:avLst/>
-          </a:prstGeom>
-        </p:spPr>
-      </p:pic>
-      <p:pic>
-        <p:nvPicPr>
-          <p:cNvPr id="281" name="Picture 280"/>
-          <p:cNvPicPr>
-            <a:picLocks noChangeAspect="1"/>
-          </p:cNvPicPr>
-          <p:nvPr/>
-        </p:nvPicPr>
-        <p:blipFill>
-          <a:blip r:embed="rId8">
-            <a:lum bright="70000" contrast="-70000"/>
-            <a:extLst>
-              <a:ext uri="{28A0092B-C50C-407E-A947-70E740481C1C}">
-                <a14:useLocalDpi xmlns:a14="http://schemas.microsoft.com/office/drawing/2010/main" val="0"/>
-              </a:ext>
-            </a:extLst>
-          </a:blip>
-          <a:stretch>
-            <a:fillRect/>
-          </a:stretch>
-        </p:blipFill>
-        <p:spPr>
-          <a:xfrm>
-            <a:off x="5596429" y="1107999"/>
-            <a:ext cx="1219200" cy="1219200"/>
-          </a:xfrm>
-          <a:prstGeom prst="rect">
-            <a:avLst/>
-          </a:prstGeom>
-        </p:spPr>
-      </p:pic>
-      <p:pic>
-        <p:nvPicPr>
-          <p:cNvPr id="282" name="Picture 281"/>
-          <p:cNvPicPr>
-            <a:picLocks noChangeAspect="1"/>
-          </p:cNvPicPr>
-          <p:nvPr/>
-        </p:nvPicPr>
-        <p:blipFill>
-          <a:blip r:embed="rId9">
-            <a:lum bright="70000" contrast="-70000"/>
-            <a:extLst>
-              <a:ext uri="{28A0092B-C50C-407E-A947-70E740481C1C}">
-                <a14:useLocalDpi xmlns:a14="http://schemas.microsoft.com/office/drawing/2010/main" val="0"/>
-              </a:ext>
-            </a:extLst>
-          </a:blip>
-          <a:stretch>
-            <a:fillRect/>
-          </a:stretch>
-        </p:blipFill>
-        <p:spPr>
-          <a:xfrm>
-            <a:off x="4273229" y="1070428"/>
-            <a:ext cx="1219200" cy="1219200"/>
-          </a:xfrm>
-          <a:prstGeom prst="rect">
-            <a:avLst/>
-          </a:prstGeom>
-        </p:spPr>
-      </p:pic>
-      <p:pic>
-        <p:nvPicPr>
-          <p:cNvPr id="283" name="Picture 282"/>
-          <p:cNvPicPr>
-            <a:picLocks noChangeAspect="1"/>
-          </p:cNvPicPr>
-          <p:nvPr/>
-        </p:nvPicPr>
-        <p:blipFill>
-          <a:blip r:embed="rId10">
-            <a:lum bright="70000" contrast="-70000"/>
-            <a:extLst>
-              <a:ext uri="{28A0092B-C50C-407E-A947-70E740481C1C}">
-                <a14:useLocalDpi xmlns:a14="http://schemas.microsoft.com/office/drawing/2010/main" val="0"/>
-              </a:ext>
-            </a:extLst>
-          </a:blip>
-          <a:stretch>
-            <a:fillRect/>
-          </a:stretch>
-        </p:blipFill>
-        <p:spPr>
-          <a:xfrm>
-            <a:off x="6919629" y="1107999"/>
-            <a:ext cx="1219200" cy="1219200"/>
-          </a:xfrm>
-          <a:prstGeom prst="rect">
-            <a:avLst/>
-          </a:prstGeom>
-        </p:spPr>
-      </p:pic>
-      <p:pic>
-        <p:nvPicPr>
-          <p:cNvPr id="284" name="Picture 283"/>
-          <p:cNvPicPr>
-            <a:picLocks noChangeAspect="1"/>
-          </p:cNvPicPr>
-          <p:nvPr/>
-        </p:nvPicPr>
-        <p:blipFill>
-          <a:blip r:embed="rId11">
-            <a:lum bright="70000" contrast="-70000"/>
-            <a:extLst>
-              <a:ext uri="{28A0092B-C50C-407E-A947-70E740481C1C}">
-                <a14:useLocalDpi xmlns:a14="http://schemas.microsoft.com/office/drawing/2010/main" val="0"/>
-              </a:ext>
-            </a:extLst>
-          </a:blip>
-          <a:stretch>
-            <a:fillRect/>
-          </a:stretch>
-        </p:blipFill>
-        <p:spPr>
-          <a:xfrm>
-            <a:off x="9105600" y="1070428"/>
-            <a:ext cx="1219200" cy="1219200"/>
-          </a:xfrm>
-          <a:prstGeom prst="rect">
-            <a:avLst/>
-          </a:prstGeom>
-        </p:spPr>
-      </p:pic>
-      <p:pic>
-        <p:nvPicPr>
-          <p:cNvPr id="285" name="Picture 284"/>
-          <p:cNvPicPr>
-            <a:picLocks noChangeAspect="1"/>
-          </p:cNvPicPr>
-          <p:nvPr/>
-        </p:nvPicPr>
-        <p:blipFill>
-          <a:blip r:embed="rId12">
-            <a:lum bright="70000" contrast="-70000"/>
-            <a:extLst>
-              <a:ext uri="{28A0092B-C50C-407E-A947-70E740481C1C}">
-                <a14:useLocalDpi xmlns:a14="http://schemas.microsoft.com/office/drawing/2010/main" val="0"/>
-              </a:ext>
-            </a:extLst>
-          </a:blip>
-          <a:stretch>
-            <a:fillRect/>
-          </a:stretch>
-        </p:blipFill>
-        <p:spPr>
-          <a:xfrm>
-            <a:off x="7988286" y="1070428"/>
-            <a:ext cx="1219200" cy="1219200"/>
-          </a:xfrm>
-          <a:prstGeom prst="rect">
-            <a:avLst/>
-          </a:prstGeom>
-        </p:spPr>
-      </p:pic>
-      <p:pic>
-        <p:nvPicPr>
-          <p:cNvPr id="286" name="Picture 285"/>
-          <p:cNvPicPr>
-            <a:picLocks noChangeAspect="1"/>
-          </p:cNvPicPr>
-          <p:nvPr/>
-        </p:nvPicPr>
-        <p:blipFill>
-          <a:blip r:embed="rId13">
-            <a:lum bright="70000" contrast="-70000"/>
-            <a:extLst>
-              <a:ext uri="{28A0092B-C50C-407E-A947-70E740481C1C}">
-                <a14:useLocalDpi xmlns:a14="http://schemas.microsoft.com/office/drawing/2010/main" val="0"/>
-              </a:ext>
-            </a:extLst>
-          </a:blip>
-          <a:stretch>
-            <a:fillRect/>
-          </a:stretch>
-        </p:blipFill>
-        <p:spPr>
-          <a:xfrm>
-            <a:off x="303629" y="2185742"/>
-            <a:ext cx="1219200" cy="1219200"/>
-          </a:xfrm>
-          <a:prstGeom prst="rect">
-            <a:avLst/>
-          </a:prstGeom>
-        </p:spPr>
-      </p:pic>
-      <p:pic>
-        <p:nvPicPr>
-          <p:cNvPr id="287" name="Picture 286"/>
-          <p:cNvPicPr>
-            <a:picLocks noChangeAspect="1"/>
-          </p:cNvPicPr>
-          <p:nvPr/>
-        </p:nvPicPr>
-        <p:blipFill>
-          <a:blip r:embed="rId14">
-            <a:lum bright="70000" contrast="-70000"/>
-            <a:extLst>
-              <a:ext uri="{28A0092B-C50C-407E-A947-70E740481C1C}">
-                <a14:useLocalDpi xmlns:a14="http://schemas.microsoft.com/office/drawing/2010/main" val="0"/>
-              </a:ext>
-            </a:extLst>
-          </a:blip>
-          <a:stretch>
-            <a:fillRect/>
-          </a:stretch>
-        </p:blipFill>
-        <p:spPr>
-          <a:xfrm>
-            <a:off x="10484143" y="1070428"/>
-            <a:ext cx="1219200" cy="1219200"/>
-          </a:xfrm>
-          <a:prstGeom prst="rect">
-            <a:avLst/>
-          </a:prstGeom>
-        </p:spPr>
-      </p:pic>
-      <p:pic>
-        <p:nvPicPr>
-          <p:cNvPr id="288" name="Picture 287"/>
-          <p:cNvPicPr>
-            <a:picLocks noChangeAspect="1"/>
-          </p:cNvPicPr>
-          <p:nvPr/>
-        </p:nvPicPr>
-        <p:blipFill>
-          <a:blip r:embed="rId15">
-            <a:lum bright="70000" contrast="-70000"/>
-            <a:extLst>
-              <a:ext uri="{28A0092B-C50C-407E-A947-70E740481C1C}">
-                <a14:useLocalDpi xmlns:a14="http://schemas.microsoft.com/office/drawing/2010/main" val="0"/>
-              </a:ext>
-            </a:extLst>
-          </a:blip>
-          <a:stretch>
-            <a:fillRect/>
-          </a:stretch>
-        </p:blipFill>
-        <p:spPr>
-          <a:xfrm>
-            <a:off x="2923629" y="2421599"/>
-            <a:ext cx="1219200" cy="1219200"/>
-          </a:xfrm>
-          <a:prstGeom prst="rect">
-            <a:avLst/>
-          </a:prstGeom>
-        </p:spPr>
-      </p:pic>
-      <p:pic>
-        <p:nvPicPr>
-          <p:cNvPr id="289" name="Picture 288"/>
-          <p:cNvPicPr>
-            <a:picLocks noChangeAspect="1"/>
-          </p:cNvPicPr>
-          <p:nvPr/>
-        </p:nvPicPr>
-        <p:blipFill>
-          <a:blip r:embed="rId16">
-            <a:lum bright="70000" contrast="-70000"/>
-            <a:extLst>
-              <a:ext uri="{28A0092B-C50C-407E-A947-70E740481C1C}">
-                <a14:useLocalDpi xmlns:a14="http://schemas.microsoft.com/office/drawing/2010/main" val="0"/>
-              </a:ext>
-            </a:extLst>
-          </a:blip>
-          <a:stretch>
-            <a:fillRect/>
-          </a:stretch>
-        </p:blipFill>
-        <p:spPr>
-          <a:xfrm>
-            <a:off x="4273229" y="2454485"/>
-            <a:ext cx="1219200" cy="1219200"/>
-          </a:xfrm>
-          <a:prstGeom prst="rect">
-            <a:avLst/>
-          </a:prstGeom>
-        </p:spPr>
-      </p:pic>
-      <p:pic>
-        <p:nvPicPr>
-          <p:cNvPr id="290" name="Picture 289"/>
-          <p:cNvPicPr>
-            <a:picLocks noChangeAspect="1"/>
-          </p:cNvPicPr>
-          <p:nvPr/>
-        </p:nvPicPr>
-        <p:blipFill>
-          <a:blip r:embed="rId17">
-            <a:lum bright="70000" contrast="-70000"/>
-            <a:extLst>
-              <a:ext uri="{28A0092B-C50C-407E-A947-70E740481C1C}">
-                <a14:useLocalDpi xmlns:a14="http://schemas.microsoft.com/office/drawing/2010/main" val="0"/>
-              </a:ext>
-            </a:extLst>
-          </a:blip>
-          <a:stretch>
-            <a:fillRect/>
-          </a:stretch>
-        </p:blipFill>
-        <p:spPr>
-          <a:xfrm>
-            <a:off x="1704429" y="2421599"/>
-            <a:ext cx="1219200" cy="1219200"/>
-          </a:xfrm>
-          <a:prstGeom prst="rect">
-            <a:avLst/>
-          </a:prstGeom>
-        </p:spPr>
-      </p:pic>
-      <p:pic>
-        <p:nvPicPr>
-          <p:cNvPr id="291" name="Picture 290"/>
-          <p:cNvPicPr>
-            <a:picLocks noChangeAspect="1"/>
-          </p:cNvPicPr>
-          <p:nvPr/>
-        </p:nvPicPr>
-        <p:blipFill>
-          <a:blip r:embed="rId18">
-            <a:lum bright="70000" contrast="-70000"/>
-            <a:extLst>
-              <a:ext uri="{28A0092B-C50C-407E-A947-70E740481C1C}">
-                <a14:useLocalDpi xmlns:a14="http://schemas.microsoft.com/office/drawing/2010/main" val="0"/>
-              </a:ext>
-            </a:extLst>
-          </a:blip>
-          <a:stretch>
-            <a:fillRect/>
-          </a:stretch>
-        </p:blipFill>
-        <p:spPr>
-          <a:xfrm>
-            <a:off x="6976800" y="2439628"/>
-            <a:ext cx="1219200" cy="1219200"/>
-          </a:xfrm>
-          <a:prstGeom prst="rect">
-            <a:avLst/>
-          </a:prstGeom>
-        </p:spPr>
-      </p:pic>
-      <p:pic>
-        <p:nvPicPr>
-          <p:cNvPr id="292" name="Picture 291"/>
-          <p:cNvPicPr>
-            <a:picLocks noChangeAspect="1"/>
-          </p:cNvPicPr>
-          <p:nvPr/>
-        </p:nvPicPr>
-        <p:blipFill>
-          <a:blip r:embed="rId19">
-            <a:lum bright="70000" contrast="-70000"/>
-            <a:extLst>
-              <a:ext uri="{28A0092B-C50C-407E-A947-70E740481C1C}">
-                <a14:useLocalDpi xmlns:a14="http://schemas.microsoft.com/office/drawing/2010/main" val="0"/>
-              </a:ext>
-            </a:extLst>
-          </a:blip>
-          <a:stretch>
-            <a:fillRect/>
-          </a:stretch>
-        </p:blipFill>
-        <p:spPr>
-          <a:xfrm>
-            <a:off x="5622829" y="2454485"/>
-            <a:ext cx="1219200" cy="1219200"/>
-          </a:xfrm>
-          <a:prstGeom prst="rect">
-            <a:avLst/>
-          </a:prstGeom>
-        </p:spPr>
-      </p:pic>
-      <p:pic>
-        <p:nvPicPr>
-          <p:cNvPr id="293" name="Picture 292"/>
-          <p:cNvPicPr>
-            <a:picLocks noChangeAspect="1"/>
-          </p:cNvPicPr>
-          <p:nvPr/>
-        </p:nvPicPr>
-        <p:blipFill>
-          <a:blip r:embed="rId20">
-            <a:lum bright="70000" contrast="-70000"/>
-            <a:extLst>
-              <a:ext uri="{28A0092B-C50C-407E-A947-70E740481C1C}">
-                <a14:useLocalDpi xmlns:a14="http://schemas.microsoft.com/office/drawing/2010/main" val="0"/>
-              </a:ext>
-            </a:extLst>
-          </a:blip>
-          <a:stretch>
-            <a:fillRect/>
-          </a:stretch>
-        </p:blipFill>
-        <p:spPr>
-          <a:xfrm>
-            <a:off x="8336400" y="2534314"/>
-            <a:ext cx="1219200" cy="1219200"/>
-          </a:xfrm>
-          <a:prstGeom prst="rect">
-            <a:avLst/>
-          </a:prstGeom>
-        </p:spPr>
-      </p:pic>
-      <p:pic>
-        <p:nvPicPr>
-          <p:cNvPr id="294" name="Picture 293"/>
-          <p:cNvPicPr>
-            <a:picLocks noChangeAspect="1"/>
-          </p:cNvPicPr>
-          <p:nvPr/>
-        </p:nvPicPr>
-        <p:blipFill>
-          <a:blip r:embed="rId21">
-            <a:lum bright="70000" contrast="-70000"/>
-            <a:extLst>
-              <a:ext uri="{28A0092B-C50C-407E-A947-70E740481C1C}">
-                <a14:useLocalDpi xmlns:a14="http://schemas.microsoft.com/office/drawing/2010/main" val="0"/>
-              </a:ext>
-            </a:extLst>
-          </a:blip>
-          <a:stretch>
-            <a:fillRect/>
-          </a:stretch>
-        </p:blipFill>
-        <p:spPr>
-          <a:xfrm>
-            <a:off x="1522829" y="3910656"/>
-            <a:ext cx="1219200" cy="1219200"/>
-          </a:xfrm>
-          <a:prstGeom prst="rect">
-            <a:avLst/>
-          </a:prstGeom>
-        </p:spPr>
-      </p:pic>
-      <p:pic>
-        <p:nvPicPr>
-          <p:cNvPr id="295" name="Picture 294"/>
-          <p:cNvPicPr>
-            <a:picLocks noChangeAspect="1"/>
-          </p:cNvPicPr>
-          <p:nvPr/>
-        </p:nvPicPr>
-        <p:blipFill>
-          <a:blip r:embed="rId22">
-            <a:lum bright="70000" contrast="-70000"/>
-            <a:extLst>
-              <a:ext uri="{28A0092B-C50C-407E-A947-70E740481C1C}">
-                <a14:useLocalDpi xmlns:a14="http://schemas.microsoft.com/office/drawing/2010/main" val="0"/>
-              </a:ext>
-            </a:extLst>
-          </a:blip>
-          <a:stretch>
-            <a:fillRect/>
-          </a:stretch>
-        </p:blipFill>
-        <p:spPr>
-          <a:xfrm>
-            <a:off x="303629" y="4021971"/>
-            <a:ext cx="1219200" cy="1219200"/>
-          </a:xfrm>
-          <a:prstGeom prst="rect">
-            <a:avLst/>
-          </a:prstGeom>
-        </p:spPr>
-      </p:pic>
-      <p:pic>
-        <p:nvPicPr>
-          <p:cNvPr id="296" name="Picture 295"/>
-          <p:cNvPicPr>
-            <a:picLocks noChangeAspect="1"/>
-          </p:cNvPicPr>
-          <p:nvPr/>
-        </p:nvPicPr>
-        <p:blipFill>
-          <a:blip r:embed="rId23">
-            <a:lum bright="70000" contrast="-70000"/>
-            <a:extLst>
-              <a:ext uri="{28A0092B-C50C-407E-A947-70E740481C1C}">
-                <a14:useLocalDpi xmlns:a14="http://schemas.microsoft.com/office/drawing/2010/main" val="0"/>
-              </a:ext>
-            </a:extLst>
-          </a:blip>
-          <a:stretch>
-            <a:fillRect/>
-          </a:stretch>
-        </p:blipFill>
-        <p:spPr>
-          <a:xfrm>
-            <a:off x="9762315" y="2534314"/>
-            <a:ext cx="1219200" cy="1219200"/>
-          </a:xfrm>
-          <a:prstGeom prst="rect">
-            <a:avLst/>
-          </a:prstGeom>
-        </p:spPr>
-      </p:pic>
-      <p:pic>
-        <p:nvPicPr>
-          <p:cNvPr id="297" name="Picture 296"/>
-          <p:cNvPicPr>
-            <a:picLocks noChangeAspect="1"/>
-          </p:cNvPicPr>
-          <p:nvPr/>
-        </p:nvPicPr>
-        <p:blipFill>
-          <a:blip r:embed="rId24">
-            <a:lum bright="70000" contrast="-70000"/>
-            <a:extLst>
-              <a:ext uri="{28A0092B-C50C-407E-A947-70E740481C1C}">
-                <a14:useLocalDpi xmlns:a14="http://schemas.microsoft.com/office/drawing/2010/main" val="0"/>
-              </a:ext>
-            </a:extLst>
-          </a:blip>
-          <a:stretch>
-            <a:fillRect/>
-          </a:stretch>
-        </p:blipFill>
-        <p:spPr>
-          <a:xfrm>
-            <a:off x="5998771" y="4004171"/>
-            <a:ext cx="1219200" cy="1219200"/>
-          </a:xfrm>
-          <a:prstGeom prst="rect">
-            <a:avLst/>
-          </a:prstGeom>
-        </p:spPr>
-      </p:pic>
-      <p:pic>
-        <p:nvPicPr>
-          <p:cNvPr id="298" name="Picture 297"/>
-          <p:cNvPicPr>
-            <a:picLocks noChangeAspect="1"/>
-          </p:cNvPicPr>
-          <p:nvPr/>
-        </p:nvPicPr>
-        <p:blipFill>
-          <a:blip r:embed="rId25">
-            <a:lum bright="70000" contrast="-70000"/>
-            <a:extLst>
-              <a:ext uri="{28A0092B-C50C-407E-A947-70E740481C1C}">
-                <a14:useLocalDpi xmlns:a14="http://schemas.microsoft.com/office/drawing/2010/main" val="0"/>
-              </a:ext>
-            </a:extLst>
-          </a:blip>
-          <a:stretch>
-            <a:fillRect/>
-          </a:stretch>
-        </p:blipFill>
-        <p:spPr>
-          <a:xfrm>
-            <a:off x="4526400" y="4021971"/>
-            <a:ext cx="1219200" cy="1219200"/>
-          </a:xfrm>
-          <a:prstGeom prst="rect">
-            <a:avLst/>
-          </a:prstGeom>
-        </p:spPr>
-      </p:pic>
-      <p:pic>
-        <p:nvPicPr>
-          <p:cNvPr id="299" name="Picture 298"/>
-          <p:cNvPicPr>
-            <a:picLocks noChangeAspect="1"/>
-          </p:cNvPicPr>
-          <p:nvPr/>
-        </p:nvPicPr>
-        <p:blipFill>
-          <a:blip r:embed="rId26">
-            <a:lum bright="70000" contrast="-70000"/>
-            <a:extLst>
-              <a:ext uri="{28A0092B-C50C-407E-A947-70E740481C1C}">
-                <a14:useLocalDpi xmlns:a14="http://schemas.microsoft.com/office/drawing/2010/main" val="0"/>
-              </a:ext>
-            </a:extLst>
-          </a:blip>
-          <a:stretch>
-            <a:fillRect/>
-          </a:stretch>
-        </p:blipFill>
-        <p:spPr>
-          <a:xfrm>
-            <a:off x="3054029" y="4021971"/>
-            <a:ext cx="1219200" cy="1219200"/>
-          </a:xfrm>
-          <a:prstGeom prst="rect">
-            <a:avLst/>
-          </a:prstGeom>
-        </p:spPr>
-      </p:pic>
-      <p:pic>
-        <p:nvPicPr>
-          <p:cNvPr id="300" name="Picture 299"/>
-          <p:cNvPicPr>
-            <a:picLocks noChangeAspect="1"/>
-          </p:cNvPicPr>
-          <p:nvPr/>
-        </p:nvPicPr>
-        <p:blipFill>
-          <a:blip r:embed="rId27">
-            <a:lum bright="70000" contrast="-70000"/>
-            <a:extLst>
-              <a:ext uri="{28A0092B-C50C-407E-A947-70E740481C1C}">
-                <a14:useLocalDpi xmlns:a14="http://schemas.microsoft.com/office/drawing/2010/main" val="0"/>
-              </a:ext>
-            </a:extLst>
-          </a:blip>
-          <a:stretch>
-            <a:fillRect/>
-          </a:stretch>
-        </p:blipFill>
-        <p:spPr>
-          <a:xfrm>
-            <a:off x="10221542" y="4145971"/>
-            <a:ext cx="1219200" cy="1219200"/>
-          </a:xfrm>
-          <a:prstGeom prst="rect">
-            <a:avLst/>
-          </a:prstGeom>
-        </p:spPr>
-      </p:pic>
-      <p:pic>
-        <p:nvPicPr>
-          <p:cNvPr id="301" name="Picture 300"/>
-          <p:cNvPicPr>
-            <a:picLocks noChangeAspect="1"/>
-          </p:cNvPicPr>
-          <p:nvPr/>
-        </p:nvPicPr>
-        <p:blipFill>
-          <a:blip r:embed="rId28">
-            <a:lum bright="70000" contrast="-70000"/>
-            <a:extLst>
-              <a:ext uri="{28A0092B-C50C-407E-A947-70E740481C1C}">
-                <a14:useLocalDpi xmlns:a14="http://schemas.microsoft.com/office/drawing/2010/main" val="0"/>
-              </a:ext>
-            </a:extLst>
-          </a:blip>
-          <a:stretch>
-            <a:fillRect/>
-          </a:stretch>
-        </p:blipFill>
-        <p:spPr>
-          <a:xfrm>
-            <a:off x="8858971" y="4120114"/>
-            <a:ext cx="1219200" cy="1219200"/>
-          </a:xfrm>
-          <a:prstGeom prst="rect">
-            <a:avLst/>
-          </a:prstGeom>
-        </p:spPr>
-      </p:pic>
-      <p:pic>
-        <p:nvPicPr>
-          <p:cNvPr id="302" name="Picture 301"/>
-          <p:cNvPicPr>
-            <a:picLocks noChangeAspect="1"/>
-          </p:cNvPicPr>
-          <p:nvPr/>
-        </p:nvPicPr>
-        <p:blipFill>
-          <a:blip r:embed="rId29">
-            <a:lum bright="70000" contrast="-70000"/>
-            <a:extLst>
-              <a:ext uri="{28A0092B-C50C-407E-A947-70E740481C1C}">
-                <a14:useLocalDpi xmlns:a14="http://schemas.microsoft.com/office/drawing/2010/main" val="0"/>
-              </a:ext>
-            </a:extLst>
-          </a:blip>
-          <a:stretch>
-            <a:fillRect/>
-          </a:stretch>
-        </p:blipFill>
-        <p:spPr>
-          <a:xfrm>
-            <a:off x="7471142" y="4120114"/>
-            <a:ext cx="1219200" cy="1219200"/>
-          </a:xfrm>
-          <a:prstGeom prst="rect">
-            <a:avLst/>
-          </a:prstGeom>
-        </p:spPr>
-      </p:pic>
+      <p:sp>
+        <p:nvSpPr>
+          <p:cNvPr id="7" name="Text Placeholder 6"/>
+          <p:cNvSpPr>
+            <a:spLocks noGrp="1"/>
+          </p:cNvSpPr>
+          <p:nvPr>
+            <p:ph type="body" idx="1"/>
+          </p:nvPr>
+        </p:nvSpPr>
+        <p:spPr/>
+        <p:txBody>
+          <a:bodyPr/>
+          <a:lstStyle/>
+          <a:p>
+            <a:r>
+              <a:rPr lang="en-US" dirty="0"/>
+              <a:t>Demo Title</a:t>
+            </a:r>
+          </a:p>
+        </p:txBody>
+      </p:sp>
     </p:spTree>
     <p:extLst>
       <p:ext uri="{BB962C8B-B14F-4D97-AF65-F5344CB8AC3E}">
-        <p14:creationId xmlns:p14="http://schemas.microsoft.com/office/powerpoint/2010/main" val="2451305448"/>
+        <p14:creationId xmlns:p14="http://schemas.microsoft.com/office/powerpoint/2010/main" val="3216050713"/>
       </p:ext>
     </p:extLst>
   </p:cSld>
@@ -7540,7 +6746,7 @@
       </p:grpSpPr>
       <p:pic>
         <p:nvPicPr>
-          <p:cNvPr id="2" name="Picture 1"/>
+          <p:cNvPr id="11" name="Picture 10"/>
           <p:cNvPicPr>
             <a:picLocks noChangeAspect="1"/>
           </p:cNvPicPr>
@@ -7548,30 +6754,29 @@
         </p:nvPicPr>
         <p:blipFill>
           <a:blip r:embed="rId2">
-            <a:lum bright="70000" contrast="-70000"/>
-            <a:extLst>
-              <a:ext uri="{28A0092B-C50C-407E-A947-70E740481C1C}">
-                <a14:useLocalDpi xmlns:a14="http://schemas.microsoft.com/office/drawing/2010/main" val="0"/>
-              </a:ext>
-            </a:extLst>
-          </a:blip>
-          <a:stretch>
-            <a:fillRect/>
-          </a:stretch>
-        </p:blipFill>
-        <p:spPr>
-          <a:xfrm>
-            <a:off x="322686" y="250829"/>
-            <a:ext cx="1219200" cy="1219200"/>
-          </a:xfrm>
-          <a:prstGeom prst="rect">
-            <a:avLst/>
-          </a:prstGeom>
-        </p:spPr>
-      </p:pic>
-      <p:pic>
-        <p:nvPicPr>
-          <p:cNvPr id="3" name="Picture 2"/>
+            <a:extLst>
+              <a:ext uri="{28A0092B-C50C-407E-A947-70E740481C1C}">
+                <a14:useLocalDpi xmlns:a14="http://schemas.microsoft.com/office/drawing/2010/main" val="0"/>
+              </a:ext>
+            </a:extLst>
+          </a:blip>
+          <a:stretch>
+            <a:fillRect/>
+          </a:stretch>
+        </p:blipFill>
+        <p:spPr>
+          <a:xfrm>
+            <a:off x="2207458" y="453313"/>
+            <a:ext cx="457200" cy="457200"/>
+          </a:xfrm>
+          <a:prstGeom prst="rect">
+            <a:avLst/>
+          </a:prstGeom>
+        </p:spPr>
+      </p:pic>
+      <p:pic>
+        <p:nvPicPr>
+          <p:cNvPr id="12" name="Picture 11"/>
           <p:cNvPicPr>
             <a:picLocks noChangeAspect="1"/>
           </p:cNvPicPr>
@@ -7579,30 +6784,29 @@
         </p:nvPicPr>
         <p:blipFill>
           <a:blip r:embed="rId3">
-            <a:lum bright="70000" contrast="-70000"/>
-            <a:extLst>
-              <a:ext uri="{28A0092B-C50C-407E-A947-70E740481C1C}">
-                <a14:useLocalDpi xmlns:a14="http://schemas.microsoft.com/office/drawing/2010/main" val="0"/>
-              </a:ext>
-            </a:extLst>
-          </a:blip>
-          <a:stretch>
-            <a:fillRect/>
-          </a:stretch>
-        </p:blipFill>
-        <p:spPr>
-          <a:xfrm>
-            <a:off x="1841371" y="306486"/>
-            <a:ext cx="1219200" cy="1219200"/>
-          </a:xfrm>
-          <a:prstGeom prst="rect">
-            <a:avLst/>
-          </a:prstGeom>
-        </p:spPr>
-      </p:pic>
-      <p:pic>
-        <p:nvPicPr>
-          <p:cNvPr id="4" name="Picture 3"/>
+            <a:extLst>
+              <a:ext uri="{28A0092B-C50C-407E-A947-70E740481C1C}">
+                <a14:useLocalDpi xmlns:a14="http://schemas.microsoft.com/office/drawing/2010/main" val="0"/>
+              </a:ext>
+            </a:extLst>
+          </a:blip>
+          <a:stretch>
+            <a:fillRect/>
+          </a:stretch>
+        </p:blipFill>
+        <p:spPr>
+          <a:xfrm>
+            <a:off x="1294229" y="453399"/>
+            <a:ext cx="457200" cy="457200"/>
+          </a:xfrm>
+          <a:prstGeom prst="rect">
+            <a:avLst/>
+          </a:prstGeom>
+        </p:spPr>
+      </p:pic>
+      <p:pic>
+        <p:nvPicPr>
+          <p:cNvPr id="13" name="Picture 12"/>
           <p:cNvPicPr>
             <a:picLocks noChangeAspect="1"/>
           </p:cNvPicPr>
@@ -7610,30 +6814,29 @@
         </p:nvPicPr>
         <p:blipFill>
           <a:blip r:embed="rId4">
-            <a:lum bright="70000" contrast="-70000"/>
-            <a:extLst>
-              <a:ext uri="{28A0092B-C50C-407E-A947-70E740481C1C}">
-                <a14:useLocalDpi xmlns:a14="http://schemas.microsoft.com/office/drawing/2010/main" val="0"/>
-              </a:ext>
-            </a:extLst>
-          </a:blip>
-          <a:stretch>
-            <a:fillRect/>
-          </a:stretch>
-        </p:blipFill>
-        <p:spPr>
-          <a:xfrm>
-            <a:off x="3360056" y="250829"/>
-            <a:ext cx="1219200" cy="1219200"/>
-          </a:xfrm>
-          <a:prstGeom prst="rect">
-            <a:avLst/>
-          </a:prstGeom>
-        </p:spPr>
-      </p:pic>
-      <p:pic>
-        <p:nvPicPr>
-          <p:cNvPr id="5" name="Picture 4"/>
+            <a:extLst>
+              <a:ext uri="{28A0092B-C50C-407E-A947-70E740481C1C}">
+                <a14:useLocalDpi xmlns:a14="http://schemas.microsoft.com/office/drawing/2010/main" val="0"/>
+              </a:ext>
+            </a:extLst>
+          </a:blip>
+          <a:stretch>
+            <a:fillRect/>
+          </a:stretch>
+        </p:blipFill>
+        <p:spPr>
+          <a:xfrm>
+            <a:off x="381000" y="453399"/>
+            <a:ext cx="457200" cy="457200"/>
+          </a:xfrm>
+          <a:prstGeom prst="rect">
+            <a:avLst/>
+          </a:prstGeom>
+        </p:spPr>
+      </p:pic>
+      <p:pic>
+        <p:nvPicPr>
+          <p:cNvPr id="15" name="Picture 14"/>
           <p:cNvPicPr>
             <a:picLocks noChangeAspect="1"/>
           </p:cNvPicPr>
@@ -7654,17 +6857,17 @@
         </p:blipFill>
         <p:spPr>
           <a:xfrm>
-            <a:off x="4878741" y="249715"/>
-            <a:ext cx="1219200" cy="1219200"/>
-          </a:xfrm>
-          <a:prstGeom prst="rect">
-            <a:avLst/>
-          </a:prstGeom>
-        </p:spPr>
-      </p:pic>
-      <p:pic>
-        <p:nvPicPr>
-          <p:cNvPr id="6" name="Picture 5"/>
+            <a:off x="303629" y="1070428"/>
+            <a:ext cx="1219200" cy="1219200"/>
+          </a:xfrm>
+          <a:prstGeom prst="rect">
+            <a:avLst/>
+          </a:prstGeom>
+        </p:spPr>
+      </p:pic>
+      <p:pic>
+        <p:nvPicPr>
+          <p:cNvPr id="279" name="Picture 278"/>
           <p:cNvPicPr>
             <a:picLocks noChangeAspect="1"/>
           </p:cNvPicPr>
@@ -7685,17 +6888,17 @@
         </p:blipFill>
         <p:spPr>
           <a:xfrm>
-            <a:off x="7736400" y="249715"/>
-            <a:ext cx="1219200" cy="1219200"/>
-          </a:xfrm>
-          <a:prstGeom prst="rect">
-            <a:avLst/>
-          </a:prstGeom>
-        </p:spPr>
-      </p:pic>
-      <p:pic>
-        <p:nvPicPr>
-          <p:cNvPr id="7" name="Picture 6"/>
+            <a:off x="2950029" y="1070428"/>
+            <a:ext cx="1219200" cy="1219200"/>
+          </a:xfrm>
+          <a:prstGeom prst="rect">
+            <a:avLst/>
+          </a:prstGeom>
+        </p:spPr>
+      </p:pic>
+      <p:pic>
+        <p:nvPicPr>
+          <p:cNvPr id="280" name="Picture 279"/>
           <p:cNvPicPr>
             <a:picLocks noChangeAspect="1"/>
           </p:cNvPicPr>
@@ -7716,17 +6919,17 @@
         </p:blipFill>
         <p:spPr>
           <a:xfrm>
-            <a:off x="6396057" y="249715"/>
-            <a:ext cx="1219200" cy="1219200"/>
-          </a:xfrm>
-          <a:prstGeom prst="rect">
-            <a:avLst/>
-          </a:prstGeom>
-        </p:spPr>
-      </p:pic>
-      <p:pic>
-        <p:nvPicPr>
-          <p:cNvPr id="8" name="Picture 7"/>
+            <a:off x="1626829" y="1070428"/>
+            <a:ext cx="1219200" cy="1219200"/>
+          </a:xfrm>
+          <a:prstGeom prst="rect">
+            <a:avLst/>
+          </a:prstGeom>
+        </p:spPr>
+      </p:pic>
+      <p:pic>
+        <p:nvPicPr>
+          <p:cNvPr id="281" name="Picture 280"/>
           <p:cNvPicPr>
             <a:picLocks noChangeAspect="1"/>
           </p:cNvPicPr>
@@ -7747,17 +6950,17 @@
         </p:blipFill>
         <p:spPr>
           <a:xfrm>
-            <a:off x="322686" y="1525686"/>
-            <a:ext cx="1219200" cy="1219200"/>
-          </a:xfrm>
-          <a:prstGeom prst="rect">
-            <a:avLst/>
-          </a:prstGeom>
-        </p:spPr>
-      </p:pic>
-      <p:pic>
-        <p:nvPicPr>
-          <p:cNvPr id="9" name="Picture 8"/>
+            <a:off x="5596429" y="1107999"/>
+            <a:ext cx="1219200" cy="1219200"/>
+          </a:xfrm>
+          <a:prstGeom prst="rect">
+            <a:avLst/>
+          </a:prstGeom>
+        </p:spPr>
+      </p:pic>
+      <p:pic>
+        <p:nvPicPr>
+          <p:cNvPr id="282" name="Picture 281"/>
           <p:cNvPicPr>
             <a:picLocks noChangeAspect="1"/>
           </p:cNvPicPr>
@@ -7778,17 +6981,17 @@
         </p:blipFill>
         <p:spPr>
           <a:xfrm>
-            <a:off x="9120229" y="275315"/>
-            <a:ext cx="1219200" cy="1219200"/>
-          </a:xfrm>
-          <a:prstGeom prst="rect">
-            <a:avLst/>
-          </a:prstGeom>
-        </p:spPr>
-      </p:pic>
-      <p:pic>
-        <p:nvPicPr>
-          <p:cNvPr id="10" name="Picture 9"/>
+            <a:off x="4273229" y="1070428"/>
+            <a:ext cx="1219200" cy="1219200"/>
+          </a:xfrm>
+          <a:prstGeom prst="rect">
+            <a:avLst/>
+          </a:prstGeom>
+        </p:spPr>
+      </p:pic>
+      <p:pic>
+        <p:nvPicPr>
+          <p:cNvPr id="283" name="Picture 282"/>
           <p:cNvPicPr>
             <a:picLocks noChangeAspect="1"/>
           </p:cNvPicPr>
@@ -7809,17 +7012,17 @@
         </p:blipFill>
         <p:spPr>
           <a:xfrm>
-            <a:off x="10460572" y="306486"/>
-            <a:ext cx="1219200" cy="1219200"/>
-          </a:xfrm>
-          <a:prstGeom prst="rect">
-            <a:avLst/>
-          </a:prstGeom>
-        </p:spPr>
-      </p:pic>
-      <p:pic>
-        <p:nvPicPr>
-          <p:cNvPr id="11" name="Picture 10"/>
+            <a:off x="6919629" y="1107999"/>
+            <a:ext cx="1219200" cy="1219200"/>
+          </a:xfrm>
+          <a:prstGeom prst="rect">
+            <a:avLst/>
+          </a:prstGeom>
+        </p:spPr>
+      </p:pic>
+      <p:pic>
+        <p:nvPicPr>
+          <p:cNvPr id="284" name="Picture 283"/>
           <p:cNvPicPr>
             <a:picLocks noChangeAspect="1"/>
           </p:cNvPicPr>
@@ -7840,17 +7043,17 @@
         </p:blipFill>
         <p:spPr>
           <a:xfrm>
-            <a:off x="3179485" y="1494515"/>
-            <a:ext cx="1219200" cy="1219200"/>
-          </a:xfrm>
-          <a:prstGeom prst="rect">
-            <a:avLst/>
-          </a:prstGeom>
-        </p:spPr>
-      </p:pic>
-      <p:pic>
-        <p:nvPicPr>
-          <p:cNvPr id="12" name="Picture 11"/>
+            <a:off x="9105600" y="1070428"/>
+            <a:ext cx="1219200" cy="1219200"/>
+          </a:xfrm>
+          <a:prstGeom prst="rect">
+            <a:avLst/>
+          </a:prstGeom>
+        </p:spPr>
+      </p:pic>
+      <p:pic>
+        <p:nvPicPr>
+          <p:cNvPr id="285" name="Picture 284"/>
           <p:cNvPicPr>
             <a:picLocks noChangeAspect="1"/>
           </p:cNvPicPr>
@@ -7871,17 +7074,17 @@
         </p:blipFill>
         <p:spPr>
           <a:xfrm>
-            <a:off x="1841371" y="1525686"/>
-            <a:ext cx="1219200" cy="1219200"/>
-          </a:xfrm>
-          <a:prstGeom prst="rect">
-            <a:avLst/>
-          </a:prstGeom>
-        </p:spPr>
-      </p:pic>
-      <p:pic>
-        <p:nvPicPr>
-          <p:cNvPr id="13" name="Picture 12"/>
+            <a:off x="7988286" y="1070428"/>
+            <a:ext cx="1219200" cy="1219200"/>
+          </a:xfrm>
+          <a:prstGeom prst="rect">
+            <a:avLst/>
+          </a:prstGeom>
+        </p:spPr>
+      </p:pic>
+      <p:pic>
+        <p:nvPicPr>
+          <p:cNvPr id="286" name="Picture 285"/>
           <p:cNvPicPr>
             <a:picLocks noChangeAspect="1"/>
           </p:cNvPicPr>
@@ -7902,17 +7105,17 @@
         </p:blipFill>
         <p:spPr>
           <a:xfrm>
-            <a:off x="4728943" y="1468915"/>
-            <a:ext cx="1219200" cy="1219200"/>
-          </a:xfrm>
-          <a:prstGeom prst="rect">
-            <a:avLst/>
-          </a:prstGeom>
-        </p:spPr>
-      </p:pic>
-      <p:pic>
-        <p:nvPicPr>
-          <p:cNvPr id="14" name="Picture 13"/>
+            <a:off x="303629" y="2185742"/>
+            <a:ext cx="1219200" cy="1219200"/>
+          </a:xfrm>
+          <a:prstGeom prst="rect">
+            <a:avLst/>
+          </a:prstGeom>
+        </p:spPr>
+      </p:pic>
+      <p:pic>
+        <p:nvPicPr>
+          <p:cNvPr id="287" name="Picture 286"/>
           <p:cNvPicPr>
             <a:picLocks noChangeAspect="1"/>
           </p:cNvPicPr>
@@ -7933,17 +7136,17 @@
         </p:blipFill>
         <p:spPr>
           <a:xfrm>
-            <a:off x="7809086" y="1525686"/>
-            <a:ext cx="1219200" cy="1219200"/>
-          </a:xfrm>
-          <a:prstGeom prst="rect">
-            <a:avLst/>
-          </a:prstGeom>
-        </p:spPr>
-      </p:pic>
-      <p:pic>
-        <p:nvPicPr>
-          <p:cNvPr id="15" name="Picture 14"/>
+            <a:off x="10484143" y="1070428"/>
+            <a:ext cx="1219200" cy="1219200"/>
+          </a:xfrm>
+          <a:prstGeom prst="rect">
+            <a:avLst/>
+          </a:prstGeom>
+        </p:spPr>
+      </p:pic>
+      <p:pic>
+        <p:nvPicPr>
+          <p:cNvPr id="288" name="Picture 287"/>
           <p:cNvPicPr>
             <a:picLocks noChangeAspect="1"/>
           </p:cNvPicPr>
@@ -7964,17 +7167,17 @@
         </p:blipFill>
         <p:spPr>
           <a:xfrm>
-            <a:off x="6376800" y="1525686"/>
-            <a:ext cx="1219200" cy="1219200"/>
-          </a:xfrm>
-          <a:prstGeom prst="rect">
-            <a:avLst/>
-          </a:prstGeom>
-        </p:spPr>
-      </p:pic>
-      <p:pic>
-        <p:nvPicPr>
-          <p:cNvPr id="16" name="Picture 15"/>
+            <a:off x="2923629" y="2421599"/>
+            <a:ext cx="1219200" cy="1219200"/>
+          </a:xfrm>
+          <a:prstGeom prst="rect">
+            <a:avLst/>
+          </a:prstGeom>
+        </p:spPr>
+      </p:pic>
+      <p:pic>
+        <p:nvPicPr>
+          <p:cNvPr id="289" name="Picture 288"/>
           <p:cNvPicPr>
             <a:picLocks noChangeAspect="1"/>
           </p:cNvPicPr>
@@ -7995,17 +7198,17 @@
         </p:blipFill>
         <p:spPr>
           <a:xfrm>
-            <a:off x="9237900" y="1525686"/>
-            <a:ext cx="1219200" cy="1219200"/>
-          </a:xfrm>
-          <a:prstGeom prst="rect">
-            <a:avLst/>
-          </a:prstGeom>
-        </p:spPr>
-      </p:pic>
-      <p:pic>
-        <p:nvPicPr>
-          <p:cNvPr id="17" name="Picture 16"/>
+            <a:off x="4273229" y="2454485"/>
+            <a:ext cx="1219200" cy="1219200"/>
+          </a:xfrm>
+          <a:prstGeom prst="rect">
+            <a:avLst/>
+          </a:prstGeom>
+        </p:spPr>
+      </p:pic>
+      <p:pic>
+        <p:nvPicPr>
+          <p:cNvPr id="290" name="Picture 289"/>
           <p:cNvPicPr>
             <a:picLocks noChangeAspect="1"/>
           </p:cNvPicPr>
@@ -8026,17 +7229,17 @@
         </p:blipFill>
         <p:spPr>
           <a:xfrm>
-            <a:off x="10404571" y="1519943"/>
-            <a:ext cx="1219200" cy="1219200"/>
-          </a:xfrm>
-          <a:prstGeom prst="rect">
-            <a:avLst/>
-          </a:prstGeom>
-        </p:spPr>
-      </p:pic>
-      <p:pic>
-        <p:nvPicPr>
-          <p:cNvPr id="18" name="Picture 17"/>
+            <a:off x="1704429" y="2421599"/>
+            <a:ext cx="1219200" cy="1219200"/>
+          </a:xfrm>
+          <a:prstGeom prst="rect">
+            <a:avLst/>
+          </a:prstGeom>
+        </p:spPr>
+      </p:pic>
+      <p:pic>
+        <p:nvPicPr>
+          <p:cNvPr id="291" name="Picture 290"/>
           <p:cNvPicPr>
             <a:picLocks noChangeAspect="1"/>
           </p:cNvPicPr>
@@ -8057,17 +7260,17 @@
         </p:blipFill>
         <p:spPr>
           <a:xfrm>
-            <a:off x="1841371" y="3030143"/>
-            <a:ext cx="1219200" cy="1219200"/>
-          </a:xfrm>
-          <a:prstGeom prst="rect">
-            <a:avLst/>
-          </a:prstGeom>
-        </p:spPr>
-      </p:pic>
-      <p:pic>
-        <p:nvPicPr>
-          <p:cNvPr id="19" name="Picture 18"/>
+            <a:off x="6976800" y="2439628"/>
+            <a:ext cx="1219200" cy="1219200"/>
+          </a:xfrm>
+          <a:prstGeom prst="rect">
+            <a:avLst/>
+          </a:prstGeom>
+        </p:spPr>
+      </p:pic>
+      <p:pic>
+        <p:nvPicPr>
+          <p:cNvPr id="292" name="Picture 291"/>
           <p:cNvPicPr>
             <a:picLocks noChangeAspect="1"/>
           </p:cNvPicPr>
@@ -8088,17 +7291,17 @@
         </p:blipFill>
         <p:spPr>
           <a:xfrm>
-            <a:off x="322686" y="3030143"/>
-            <a:ext cx="1219200" cy="1219200"/>
-          </a:xfrm>
-          <a:prstGeom prst="rect">
-            <a:avLst/>
-          </a:prstGeom>
-        </p:spPr>
-      </p:pic>
-      <p:pic>
-        <p:nvPicPr>
-          <p:cNvPr id="20" name="Picture 19"/>
+            <a:off x="5622829" y="2454485"/>
+            <a:ext cx="1219200" cy="1219200"/>
+          </a:xfrm>
+          <a:prstGeom prst="rect">
+            <a:avLst/>
+          </a:prstGeom>
+        </p:spPr>
+      </p:pic>
+      <p:pic>
+        <p:nvPicPr>
+          <p:cNvPr id="293" name="Picture 292"/>
           <p:cNvPicPr>
             <a:picLocks noChangeAspect="1"/>
           </p:cNvPicPr>
@@ -8119,17 +7322,17 @@
         </p:blipFill>
         <p:spPr>
           <a:xfrm>
-            <a:off x="4728943" y="3030143"/>
-            <a:ext cx="1219200" cy="1219200"/>
-          </a:xfrm>
-          <a:prstGeom prst="rect">
-            <a:avLst/>
-          </a:prstGeom>
-        </p:spPr>
-      </p:pic>
-      <p:pic>
-        <p:nvPicPr>
-          <p:cNvPr id="21" name="Picture 20"/>
+            <a:off x="8336400" y="2534314"/>
+            <a:ext cx="1219200" cy="1219200"/>
+          </a:xfrm>
+          <a:prstGeom prst="rect">
+            <a:avLst/>
+          </a:prstGeom>
+        </p:spPr>
+      </p:pic>
+      <p:pic>
+        <p:nvPicPr>
+          <p:cNvPr id="294" name="Picture 293"/>
           <p:cNvPicPr>
             <a:picLocks noChangeAspect="1"/>
           </p:cNvPicPr>
@@ -8150,17 +7353,17 @@
         </p:blipFill>
         <p:spPr>
           <a:xfrm>
-            <a:off x="3338570" y="3030143"/>
-            <a:ext cx="1219200" cy="1219200"/>
-          </a:xfrm>
-          <a:prstGeom prst="rect">
-            <a:avLst/>
-          </a:prstGeom>
-        </p:spPr>
-      </p:pic>
-      <p:pic>
-        <p:nvPicPr>
-          <p:cNvPr id="22" name="Picture 21"/>
+            <a:off x="1522829" y="3910656"/>
+            <a:ext cx="1219200" cy="1219200"/>
+          </a:xfrm>
+          <a:prstGeom prst="rect">
+            <a:avLst/>
+          </a:prstGeom>
+        </p:spPr>
+      </p:pic>
+      <p:pic>
+        <p:nvPicPr>
+          <p:cNvPr id="295" name="Picture 294"/>
           <p:cNvPicPr>
             <a:picLocks noChangeAspect="1"/>
           </p:cNvPicPr>
@@ -8181,17 +7384,17 @@
         </p:blipFill>
         <p:spPr>
           <a:xfrm>
-            <a:off x="1835343" y="4534600"/>
-            <a:ext cx="1219200" cy="1219200"/>
-          </a:xfrm>
-          <a:prstGeom prst="rect">
-            <a:avLst/>
-          </a:prstGeom>
-        </p:spPr>
-      </p:pic>
-      <p:pic>
-        <p:nvPicPr>
-          <p:cNvPr id="23" name="Picture 22"/>
+            <a:off x="303629" y="4021971"/>
+            <a:ext cx="1219200" cy="1219200"/>
+          </a:xfrm>
+          <a:prstGeom prst="rect">
+            <a:avLst/>
+          </a:prstGeom>
+        </p:spPr>
+      </p:pic>
+      <p:pic>
+        <p:nvPicPr>
+          <p:cNvPr id="296" name="Picture 295"/>
           <p:cNvPicPr>
             <a:picLocks noChangeAspect="1"/>
           </p:cNvPicPr>
@@ -8212,17 +7415,17 @@
         </p:blipFill>
         <p:spPr>
           <a:xfrm>
-            <a:off x="322686" y="4534600"/>
-            <a:ext cx="1219200" cy="1219200"/>
-          </a:xfrm>
-          <a:prstGeom prst="rect">
-            <a:avLst/>
-          </a:prstGeom>
-        </p:spPr>
-      </p:pic>
-      <p:pic>
-        <p:nvPicPr>
-          <p:cNvPr id="24" name="Picture 23"/>
+            <a:off x="9762315" y="2534314"/>
+            <a:ext cx="1219200" cy="1219200"/>
+          </a:xfrm>
+          <a:prstGeom prst="rect">
+            <a:avLst/>
+          </a:prstGeom>
+        </p:spPr>
+      </p:pic>
+      <p:pic>
+        <p:nvPicPr>
+          <p:cNvPr id="297" name="Picture 296"/>
           <p:cNvPicPr>
             <a:picLocks noChangeAspect="1"/>
           </p:cNvPicPr>
@@ -8243,17 +7446,17 @@
         </p:blipFill>
         <p:spPr>
           <a:xfrm>
-            <a:off x="6376800" y="3162943"/>
-            <a:ext cx="1219200" cy="1219200"/>
-          </a:xfrm>
-          <a:prstGeom prst="rect">
-            <a:avLst/>
-          </a:prstGeom>
-        </p:spPr>
-      </p:pic>
-      <p:pic>
-        <p:nvPicPr>
-          <p:cNvPr id="25" name="Picture 24"/>
+            <a:off x="5998771" y="4004171"/>
+            <a:ext cx="1219200" cy="1219200"/>
+          </a:xfrm>
+          <a:prstGeom prst="rect">
+            <a:avLst/>
+          </a:prstGeom>
+        </p:spPr>
+      </p:pic>
+      <p:pic>
+        <p:nvPicPr>
+          <p:cNvPr id="298" name="Picture 297"/>
           <p:cNvPicPr>
             <a:picLocks noChangeAspect="1"/>
           </p:cNvPicPr>
@@ -8274,17 +7477,17 @@
         </p:blipFill>
         <p:spPr>
           <a:xfrm>
-            <a:off x="10404571" y="3109800"/>
-            <a:ext cx="1219200" cy="1219200"/>
-          </a:xfrm>
-          <a:prstGeom prst="rect">
-            <a:avLst/>
-          </a:prstGeom>
-        </p:spPr>
-      </p:pic>
-      <p:pic>
-        <p:nvPicPr>
-          <p:cNvPr id="26" name="Picture 25"/>
+            <a:off x="4526400" y="4021971"/>
+            <a:ext cx="1219200" cy="1219200"/>
+          </a:xfrm>
+          <a:prstGeom prst="rect">
+            <a:avLst/>
+          </a:prstGeom>
+        </p:spPr>
+      </p:pic>
+      <p:pic>
+        <p:nvPicPr>
+          <p:cNvPr id="299" name="Picture 298"/>
           <p:cNvPicPr>
             <a:picLocks noChangeAspect="1"/>
           </p:cNvPicPr>
@@ -8305,17 +7508,17 @@
         </p:blipFill>
         <p:spPr>
           <a:xfrm>
-            <a:off x="3338570" y="4534600"/>
-            <a:ext cx="1219200" cy="1219200"/>
-          </a:xfrm>
-          <a:prstGeom prst="rect">
-            <a:avLst/>
-          </a:prstGeom>
-        </p:spPr>
-      </p:pic>
-      <p:pic>
-        <p:nvPicPr>
-          <p:cNvPr id="27" name="Picture 26"/>
+            <a:off x="3054029" y="4021971"/>
+            <a:ext cx="1219200" cy="1219200"/>
+          </a:xfrm>
+          <a:prstGeom prst="rect">
+            <a:avLst/>
+          </a:prstGeom>
+        </p:spPr>
+      </p:pic>
+      <p:pic>
+        <p:nvPicPr>
+          <p:cNvPr id="300" name="Picture 299"/>
           <p:cNvPicPr>
             <a:picLocks noChangeAspect="1"/>
           </p:cNvPicPr>
@@ -8336,17 +7539,17 @@
         </p:blipFill>
         <p:spPr>
           <a:xfrm>
-            <a:off x="4831171" y="4560286"/>
-            <a:ext cx="1219200" cy="1219200"/>
-          </a:xfrm>
-          <a:prstGeom prst="rect">
-            <a:avLst/>
-          </a:prstGeom>
-        </p:spPr>
-      </p:pic>
-      <p:pic>
-        <p:nvPicPr>
-          <p:cNvPr id="28" name="Picture 27"/>
+            <a:off x="10221542" y="4145971"/>
+            <a:ext cx="1219200" cy="1219200"/>
+          </a:xfrm>
+          <a:prstGeom prst="rect">
+            <a:avLst/>
+          </a:prstGeom>
+        </p:spPr>
+      </p:pic>
+      <p:pic>
+        <p:nvPicPr>
+          <p:cNvPr id="301" name="Picture 300"/>
           <p:cNvPicPr>
             <a:picLocks noChangeAspect="1"/>
           </p:cNvPicPr>
@@ -8367,17 +7570,17 @@
         </p:blipFill>
         <p:spPr>
           <a:xfrm>
-            <a:off x="9028286" y="4560286"/>
-            <a:ext cx="1219200" cy="1219200"/>
-          </a:xfrm>
-          <a:prstGeom prst="rect">
-            <a:avLst/>
-          </a:prstGeom>
-        </p:spPr>
-      </p:pic>
-      <p:pic>
-        <p:nvPicPr>
-          <p:cNvPr id="29" name="Picture 28"/>
+            <a:off x="8858971" y="4120114"/>
+            <a:ext cx="1219200" cy="1219200"/>
+          </a:xfrm>
+          <a:prstGeom prst="rect">
+            <a:avLst/>
+          </a:prstGeom>
+        </p:spPr>
+      </p:pic>
+      <p:pic>
+        <p:nvPicPr>
+          <p:cNvPr id="302" name="Picture 301"/>
           <p:cNvPicPr>
             <a:picLocks noChangeAspect="1"/>
           </p:cNvPicPr>
@@ -8398,38 +7601,7 @@
         </p:blipFill>
         <p:spPr>
           <a:xfrm>
-            <a:off x="8955600" y="3315400"/>
-            <a:ext cx="1219200" cy="1219200"/>
-          </a:xfrm>
-          <a:prstGeom prst="rect">
-            <a:avLst/>
-          </a:prstGeom>
-        </p:spPr>
-      </p:pic>
-      <p:pic>
-        <p:nvPicPr>
-          <p:cNvPr id="30" name="Picture 29"/>
-          <p:cNvPicPr>
-            <a:picLocks noChangeAspect="1"/>
-          </p:cNvPicPr>
-          <p:nvPr/>
-        </p:nvPicPr>
-        <p:blipFill>
-          <a:blip r:embed="rId30">
-            <a:lum bright="70000" contrast="-70000"/>
-            <a:extLst>
-              <a:ext uri="{28A0092B-C50C-407E-A947-70E740481C1C}">
-                <a14:useLocalDpi xmlns:a14="http://schemas.microsoft.com/office/drawing/2010/main" val="0"/>
-              </a:ext>
-            </a:extLst>
-          </a:blip>
-          <a:stretch>
-            <a:fillRect/>
-          </a:stretch>
-        </p:blipFill>
-        <p:spPr>
-          <a:xfrm>
-            <a:off x="10457100" y="4534600"/>
+            <a:off x="7471142" y="4120114"/>
             <a:ext cx="1219200" cy="1219200"/>
           </a:xfrm>
           <a:prstGeom prst="rect">
@@ -8440,7 +7612,7 @@
     </p:spTree>
     <p:extLst>
       <p:ext uri="{BB962C8B-B14F-4D97-AF65-F5344CB8AC3E}">
-        <p14:creationId xmlns:p14="http://schemas.microsoft.com/office/powerpoint/2010/main" val="823657930"/>
+        <p14:creationId xmlns:p14="http://schemas.microsoft.com/office/powerpoint/2010/main" val="2451305448"/>
       </p:ext>
     </p:extLst>
   </p:cSld>
@@ -8490,7 +7662,7 @@
         </p:blipFill>
         <p:spPr>
           <a:xfrm>
-            <a:off x="130628" y="359229"/>
+            <a:off x="322686" y="250829"/>
             <a:ext cx="1219200" cy="1219200"/>
           </a:xfrm>
           <a:prstGeom prst="rect">
@@ -8521,7 +7693,7 @@
         </p:blipFill>
         <p:spPr>
           <a:xfrm>
-            <a:off x="94399" y="4550571"/>
+            <a:off x="1841371" y="306486"/>
             <a:ext cx="1219200" cy="1219200"/>
           </a:xfrm>
           <a:prstGeom prst="rect">
@@ -8552,7 +7724,7 @@
         </p:blipFill>
         <p:spPr>
           <a:xfrm>
-            <a:off x="94399" y="3153457"/>
+            <a:off x="3360056" y="250829"/>
             <a:ext cx="1219200" cy="1219200"/>
           </a:xfrm>
           <a:prstGeom prst="rect">
@@ -8583,7 +7755,7 @@
         </p:blipFill>
         <p:spPr>
           <a:xfrm>
-            <a:off x="94399" y="1756343"/>
+            <a:off x="4878741" y="249715"/>
             <a:ext cx="1219200" cy="1219200"/>
           </a:xfrm>
           <a:prstGeom prst="rect">
@@ -8614,7 +7786,7 @@
         </p:blipFill>
         <p:spPr>
           <a:xfrm>
-            <a:off x="1652285" y="359229"/>
+            <a:off x="7736400" y="249715"/>
             <a:ext cx="1219200" cy="1219200"/>
           </a:xfrm>
           <a:prstGeom prst="rect">
@@ -8645,7 +7817,7 @@
         </p:blipFill>
         <p:spPr>
           <a:xfrm>
-            <a:off x="1652285" y="1756343"/>
+            <a:off x="6396057" y="249715"/>
             <a:ext cx="1219200" cy="1219200"/>
           </a:xfrm>
           <a:prstGeom prst="rect">
@@ -8676,7 +7848,7 @@
         </p:blipFill>
         <p:spPr>
           <a:xfrm>
-            <a:off x="1652285" y="4550571"/>
+            <a:off x="322686" y="1525686"/>
             <a:ext cx="1219200" cy="1219200"/>
           </a:xfrm>
           <a:prstGeom prst="rect">
@@ -8707,7 +7879,7 @@
         </p:blipFill>
         <p:spPr>
           <a:xfrm>
-            <a:off x="1613599" y="3153457"/>
+            <a:off x="9120229" y="275315"/>
             <a:ext cx="1219200" cy="1219200"/>
           </a:xfrm>
           <a:prstGeom prst="rect">
@@ -8738,7 +7910,7 @@
         </p:blipFill>
         <p:spPr>
           <a:xfrm>
-            <a:off x="3173942" y="1813229"/>
+            <a:off x="10460572" y="306486"/>
             <a:ext cx="1219200" cy="1219200"/>
           </a:xfrm>
           <a:prstGeom prst="rect">
@@ -8769,7 +7941,7 @@
         </p:blipFill>
         <p:spPr>
           <a:xfrm>
-            <a:off x="3173942" y="359229"/>
+            <a:off x="3179485" y="1494515"/>
             <a:ext cx="1219200" cy="1219200"/>
           </a:xfrm>
           <a:prstGeom prst="rect">
@@ -8800,7 +7972,7 @@
         </p:blipFill>
         <p:spPr>
           <a:xfrm>
-            <a:off x="3198342" y="3153457"/>
+            <a:off x="1841371" y="1525686"/>
             <a:ext cx="1219200" cy="1219200"/>
           </a:xfrm>
           <a:prstGeom prst="rect">
@@ -8831,7 +8003,7 @@
         </p:blipFill>
         <p:spPr>
           <a:xfrm>
-            <a:off x="3157485" y="4607457"/>
+            <a:off x="4728943" y="1468915"/>
             <a:ext cx="1219200" cy="1219200"/>
           </a:xfrm>
           <a:prstGeom prst="rect">
@@ -8862,7 +8034,7 @@
         </p:blipFill>
         <p:spPr>
           <a:xfrm>
-            <a:off x="4695599" y="1756343"/>
+            <a:off x="7809086" y="1525686"/>
             <a:ext cx="1219200" cy="1219200"/>
           </a:xfrm>
           <a:prstGeom prst="rect">
@@ -8893,7 +8065,7 @@
         </p:blipFill>
         <p:spPr>
           <a:xfrm>
-            <a:off x="4727399" y="360686"/>
+            <a:off x="6376800" y="1525686"/>
             <a:ext cx="1219200" cy="1219200"/>
           </a:xfrm>
           <a:prstGeom prst="rect">
@@ -8924,7 +8096,7 @@
         </p:blipFill>
         <p:spPr>
           <a:xfrm>
-            <a:off x="6280856" y="359229"/>
+            <a:off x="9237900" y="1525686"/>
             <a:ext cx="1219200" cy="1219200"/>
           </a:xfrm>
           <a:prstGeom prst="rect">
@@ -8955,7 +8127,7 @@
         </p:blipFill>
         <p:spPr>
           <a:xfrm>
-            <a:off x="4783085" y="3247857"/>
+            <a:off x="10404571" y="1519943"/>
             <a:ext cx="1219200" cy="1219200"/>
           </a:xfrm>
           <a:prstGeom prst="rect">
@@ -8986,7 +8158,7 @@
         </p:blipFill>
         <p:spPr>
           <a:xfrm>
-            <a:off x="4826685" y="4643514"/>
+            <a:off x="1841371" y="3030143"/>
             <a:ext cx="1219200" cy="1219200"/>
           </a:xfrm>
           <a:prstGeom prst="rect">
@@ -9017,7 +8189,7 @@
         </p:blipFill>
         <p:spPr>
           <a:xfrm>
-            <a:off x="6280856" y="3247857"/>
+            <a:off x="322686" y="3030143"/>
             <a:ext cx="1219200" cy="1219200"/>
           </a:xfrm>
           <a:prstGeom prst="rect">
@@ -9048,7 +8220,7 @@
         </p:blipFill>
         <p:spPr>
           <a:xfrm>
-            <a:off x="6217256" y="1813229"/>
+            <a:off x="4728943" y="3030143"/>
             <a:ext cx="1219200" cy="1219200"/>
           </a:xfrm>
           <a:prstGeom prst="rect">
@@ -9079,7 +8251,7 @@
         </p:blipFill>
         <p:spPr>
           <a:xfrm>
-            <a:off x="7804999" y="1938286"/>
+            <a:off x="3338570" y="3030143"/>
             <a:ext cx="1219200" cy="1219200"/>
           </a:xfrm>
           <a:prstGeom prst="rect">
@@ -9110,7 +8282,7 @@
         </p:blipFill>
         <p:spPr>
           <a:xfrm>
-            <a:off x="7804999" y="412829"/>
+            <a:off x="1835343" y="4534600"/>
             <a:ext cx="1219200" cy="1219200"/>
           </a:xfrm>
           <a:prstGeom prst="rect">
@@ -9141,7 +8313,7 @@
         </p:blipFill>
         <p:spPr>
           <a:xfrm>
-            <a:off x="6280856" y="4607457"/>
+            <a:off x="322686" y="4534600"/>
             <a:ext cx="1219200" cy="1219200"/>
           </a:xfrm>
           <a:prstGeom prst="rect">
@@ -9172,7 +8344,7 @@
         </p:blipFill>
         <p:spPr>
           <a:xfrm>
-            <a:off x="9324170" y="412829"/>
+            <a:off x="6376800" y="3162943"/>
             <a:ext cx="1219200" cy="1219200"/>
           </a:xfrm>
           <a:prstGeom prst="rect">
@@ -9203,7 +8375,7 @@
         </p:blipFill>
         <p:spPr>
           <a:xfrm>
-            <a:off x="7778627" y="3247857"/>
+            <a:off x="10404571" y="3109800"/>
             <a:ext cx="1219200" cy="1219200"/>
           </a:xfrm>
           <a:prstGeom prst="rect">
@@ -9234,7 +8406,7 @@
         </p:blipFill>
         <p:spPr>
           <a:xfrm>
-            <a:off x="7804999" y="4683628"/>
+            <a:off x="3338570" y="4534600"/>
             <a:ext cx="1219200" cy="1219200"/>
           </a:xfrm>
           <a:prstGeom prst="rect">
@@ -9265,7 +8437,7 @@
         </p:blipFill>
         <p:spPr>
           <a:xfrm>
-            <a:off x="9392742" y="3247857"/>
+            <a:off x="4831171" y="4560286"/>
             <a:ext cx="1219200" cy="1219200"/>
           </a:xfrm>
           <a:prstGeom prst="rect">
@@ -9296,7 +8468,69 @@
         </p:blipFill>
         <p:spPr>
           <a:xfrm>
-            <a:off x="9392742" y="1813229"/>
+            <a:off x="9028286" y="4560286"/>
+            <a:ext cx="1219200" cy="1219200"/>
+          </a:xfrm>
+          <a:prstGeom prst="rect">
+            <a:avLst/>
+          </a:prstGeom>
+        </p:spPr>
+      </p:pic>
+      <p:pic>
+        <p:nvPicPr>
+          <p:cNvPr id="29" name="Picture 28"/>
+          <p:cNvPicPr>
+            <a:picLocks noChangeAspect="1"/>
+          </p:cNvPicPr>
+          <p:nvPr/>
+        </p:nvPicPr>
+        <p:blipFill>
+          <a:blip r:embed="rId29">
+            <a:lum bright="70000" contrast="-70000"/>
+            <a:extLst>
+              <a:ext uri="{28A0092B-C50C-407E-A947-70E740481C1C}">
+                <a14:useLocalDpi xmlns:a14="http://schemas.microsoft.com/office/drawing/2010/main" val="0"/>
+              </a:ext>
+            </a:extLst>
+          </a:blip>
+          <a:stretch>
+            <a:fillRect/>
+          </a:stretch>
+        </p:blipFill>
+        <p:spPr>
+          <a:xfrm>
+            <a:off x="8955600" y="3315400"/>
+            <a:ext cx="1219200" cy="1219200"/>
+          </a:xfrm>
+          <a:prstGeom prst="rect">
+            <a:avLst/>
+          </a:prstGeom>
+        </p:spPr>
+      </p:pic>
+      <p:pic>
+        <p:nvPicPr>
+          <p:cNvPr id="30" name="Picture 29"/>
+          <p:cNvPicPr>
+            <a:picLocks noChangeAspect="1"/>
+          </p:cNvPicPr>
+          <p:nvPr/>
+        </p:nvPicPr>
+        <p:blipFill>
+          <a:blip r:embed="rId30">
+            <a:lum bright="70000" contrast="-70000"/>
+            <a:extLst>
+              <a:ext uri="{28A0092B-C50C-407E-A947-70E740481C1C}">
+                <a14:useLocalDpi xmlns:a14="http://schemas.microsoft.com/office/drawing/2010/main" val="0"/>
+              </a:ext>
+            </a:extLst>
+          </a:blip>
+          <a:stretch>
+            <a:fillRect/>
+          </a:stretch>
+        </p:blipFill>
+        <p:spPr>
+          <a:xfrm>
+            <a:off x="10457100" y="4534600"/>
             <a:ext cx="1219200" cy="1219200"/>
           </a:xfrm>
           <a:prstGeom prst="rect">
@@ -9307,7 +8541,7 @@
     </p:spTree>
     <p:extLst>
       <p:ext uri="{BB962C8B-B14F-4D97-AF65-F5344CB8AC3E}">
-        <p14:creationId xmlns:p14="http://schemas.microsoft.com/office/powerpoint/2010/main" val="3126433562"/>
+        <p14:creationId xmlns:p14="http://schemas.microsoft.com/office/powerpoint/2010/main" val="823657930"/>
       </p:ext>
     </p:extLst>
   </p:cSld>
@@ -9357,7 +8591,7 @@
         </p:blipFill>
         <p:spPr>
           <a:xfrm>
-            <a:off x="643486" y="520286"/>
+            <a:off x="130628" y="359229"/>
             <a:ext cx="1219200" cy="1219200"/>
           </a:xfrm>
           <a:prstGeom prst="rect">
@@ -9388,7 +8622,7 @@
         </p:blipFill>
         <p:spPr>
           <a:xfrm>
-            <a:off x="654401" y="3364486"/>
+            <a:off x="94399" y="4550571"/>
             <a:ext cx="1219200" cy="1219200"/>
           </a:xfrm>
           <a:prstGeom prst="rect">
@@ -9419,7 +8653,7 @@
         </p:blipFill>
         <p:spPr>
           <a:xfrm>
-            <a:off x="571600" y="4830522"/>
+            <a:off x="94399" y="3153457"/>
             <a:ext cx="1219200" cy="1219200"/>
           </a:xfrm>
           <a:prstGeom prst="rect">
@@ -9450,7 +8684,7 @@
         </p:blipFill>
         <p:spPr>
           <a:xfrm>
-            <a:off x="2286800" y="4852844"/>
+            <a:off x="94399" y="1756343"/>
             <a:ext cx="1219200" cy="1219200"/>
           </a:xfrm>
           <a:prstGeom prst="rect">
@@ -9481,7 +8715,7 @@
         </p:blipFill>
         <p:spPr>
           <a:xfrm>
-            <a:off x="2155658" y="3397482"/>
+            <a:off x="1652285" y="359229"/>
             <a:ext cx="1219200" cy="1219200"/>
           </a:xfrm>
           <a:prstGeom prst="rect">
@@ -9512,7 +8746,7 @@
         </p:blipFill>
         <p:spPr>
           <a:xfrm>
-            <a:off x="2303086" y="1959441"/>
+            <a:off x="1652285" y="1756343"/>
             <a:ext cx="1219200" cy="1219200"/>
           </a:xfrm>
           <a:prstGeom prst="rect">
@@ -9543,7 +8777,7 @@
         </p:blipFill>
         <p:spPr>
           <a:xfrm>
-            <a:off x="2303086" y="521400"/>
+            <a:off x="1652285" y="4550571"/>
             <a:ext cx="1219200" cy="1219200"/>
           </a:xfrm>
           <a:prstGeom prst="rect">
@@ -9574,7 +8808,7 @@
         </p:blipFill>
         <p:spPr>
           <a:xfrm>
-            <a:off x="3878400" y="4868530"/>
+            <a:off x="1613599" y="3153457"/>
             <a:ext cx="1219200" cy="1219200"/>
           </a:xfrm>
           <a:prstGeom prst="rect">
@@ -9605,7 +8839,7 @@
         </p:blipFill>
         <p:spPr>
           <a:xfrm>
-            <a:off x="3907314" y="3421143"/>
+            <a:off x="3173942" y="1813229"/>
             <a:ext cx="1219200" cy="1219200"/>
           </a:xfrm>
           <a:prstGeom prst="rect">
@@ -9636,7 +8870,7 @@
         </p:blipFill>
         <p:spPr>
           <a:xfrm>
-            <a:off x="3907314" y="1750200"/>
+            <a:off x="3173942" y="359229"/>
             <a:ext cx="1219200" cy="1219200"/>
           </a:xfrm>
           <a:prstGeom prst="rect">
@@ -9667,7 +8901,7 @@
         </p:blipFill>
         <p:spPr>
           <a:xfrm>
-            <a:off x="4074799" y="371400"/>
+            <a:off x="3198342" y="3153457"/>
             <a:ext cx="1219200" cy="1219200"/>
           </a:xfrm>
           <a:prstGeom prst="rect">
@@ -9698,7 +8932,7 @@
         </p:blipFill>
         <p:spPr>
           <a:xfrm>
-            <a:off x="5554400" y="4868530"/>
+            <a:off x="3157485" y="4607457"/>
             <a:ext cx="1219200" cy="1219200"/>
           </a:xfrm>
           <a:prstGeom prst="rect">
@@ -9729,7 +8963,7 @@
         </p:blipFill>
         <p:spPr>
           <a:xfrm>
-            <a:off x="5554400" y="3364486"/>
+            <a:off x="4695599" y="1756343"/>
             <a:ext cx="1219200" cy="1219200"/>
           </a:xfrm>
           <a:prstGeom prst="rect">
@@ -9760,7 +8994,7 @@
         </p:blipFill>
         <p:spPr>
           <a:xfrm>
-            <a:off x="5554400" y="1750200"/>
+            <a:off x="4727399" y="360686"/>
             <a:ext cx="1219200" cy="1219200"/>
           </a:xfrm>
           <a:prstGeom prst="rect">
@@ -9791,7 +9025,7 @@
         </p:blipFill>
         <p:spPr>
           <a:xfrm>
-            <a:off x="5734399" y="361800"/>
+            <a:off x="6280856" y="359229"/>
             <a:ext cx="1219200" cy="1219200"/>
           </a:xfrm>
           <a:prstGeom prst="rect">
@@ -9822,7 +9056,7 @@
         </p:blipFill>
         <p:spPr>
           <a:xfrm>
-            <a:off x="7228400" y="4868530"/>
+            <a:off x="4783085" y="3247857"/>
             <a:ext cx="1219200" cy="1219200"/>
           </a:xfrm>
           <a:prstGeom prst="rect">
@@ -9853,7 +9087,7 @@
         </p:blipFill>
         <p:spPr>
           <a:xfrm>
-            <a:off x="8984800" y="4872758"/>
+            <a:off x="4826685" y="4643514"/>
             <a:ext cx="1219200" cy="1219200"/>
           </a:xfrm>
           <a:prstGeom prst="rect">
@@ -9884,7 +9118,7 @@
         </p:blipFill>
         <p:spPr>
           <a:xfrm>
-            <a:off x="10576400" y="4872758"/>
+            <a:off x="6280856" y="3247857"/>
             <a:ext cx="1219200" cy="1219200"/>
           </a:xfrm>
           <a:prstGeom prst="rect">
@@ -9915,7 +9149,7 @@
         </p:blipFill>
         <p:spPr>
           <a:xfrm>
-            <a:off x="7337714" y="3421143"/>
+            <a:off x="6217256" y="1813229"/>
             <a:ext cx="1219200" cy="1219200"/>
           </a:xfrm>
           <a:prstGeom prst="rect">
@@ -9946,7 +9180,7 @@
         </p:blipFill>
         <p:spPr>
           <a:xfrm>
-            <a:off x="7337714" y="1791156"/>
+            <a:off x="7804999" y="1938286"/>
             <a:ext cx="1219200" cy="1219200"/>
           </a:xfrm>
           <a:prstGeom prst="rect">
@@ -9977,7 +9211,7 @@
         </p:blipFill>
         <p:spPr>
           <a:xfrm>
-            <a:off x="7337714" y="435085"/>
+            <a:off x="7804999" y="412829"/>
             <a:ext cx="1219200" cy="1219200"/>
           </a:xfrm>
           <a:prstGeom prst="rect">
@@ -10008,7 +9242,7 @@
         </p:blipFill>
         <p:spPr>
           <a:xfrm>
-            <a:off x="8953200" y="3384857"/>
+            <a:off x="6280856" y="4607457"/>
             <a:ext cx="1219200" cy="1219200"/>
           </a:xfrm>
           <a:prstGeom prst="rect">
@@ -10039,7 +9273,7 @@
         </p:blipFill>
         <p:spPr>
           <a:xfrm>
-            <a:off x="8984800" y="1816042"/>
+            <a:off x="9324170" y="412829"/>
             <a:ext cx="1219200" cy="1219200"/>
           </a:xfrm>
           <a:prstGeom prst="rect">
@@ -10070,7 +9304,7 @@
         </p:blipFill>
         <p:spPr>
           <a:xfrm>
-            <a:off x="10683085" y="3400200"/>
+            <a:off x="7778627" y="3247857"/>
             <a:ext cx="1219200" cy="1219200"/>
           </a:xfrm>
           <a:prstGeom prst="rect">
@@ -10101,7 +9335,7 @@
         </p:blipFill>
         <p:spPr>
           <a:xfrm>
-            <a:off x="8984800" y="326114"/>
+            <a:off x="7804999" y="4683628"/>
             <a:ext cx="1219200" cy="1219200"/>
           </a:xfrm>
           <a:prstGeom prst="rect">
@@ -10132,7 +9366,7 @@
         </p:blipFill>
         <p:spPr>
           <a:xfrm>
-            <a:off x="10504000" y="1927642"/>
+            <a:off x="9392742" y="3247857"/>
             <a:ext cx="1219200" cy="1219200"/>
           </a:xfrm>
           <a:prstGeom prst="rect">
@@ -10163,7 +9397,7 @@
         </p:blipFill>
         <p:spPr>
           <a:xfrm>
-            <a:off x="10504000" y="314828"/>
+            <a:off x="9392742" y="1813229"/>
             <a:ext cx="1219200" cy="1219200"/>
           </a:xfrm>
           <a:prstGeom prst="rect">
@@ -10174,7 +9408,7 @@
     </p:spTree>
     <p:extLst>
       <p:ext uri="{BB962C8B-B14F-4D97-AF65-F5344CB8AC3E}">
-        <p14:creationId xmlns:p14="http://schemas.microsoft.com/office/powerpoint/2010/main" val="399454265"/>
+        <p14:creationId xmlns:p14="http://schemas.microsoft.com/office/powerpoint/2010/main" val="3126433562"/>
       </p:ext>
     </p:extLst>
   </p:cSld>
@@ -10224,7 +9458,7 @@
         </p:blipFill>
         <p:spPr>
           <a:xfrm>
-            <a:off x="166914" y="286715"/>
+            <a:off x="643486" y="520286"/>
             <a:ext cx="1219200" cy="1219200"/>
           </a:xfrm>
           <a:prstGeom prst="rect">
@@ -10255,7 +9489,7 @@
         </p:blipFill>
         <p:spPr>
           <a:xfrm>
-            <a:off x="166914" y="4395429"/>
+            <a:off x="654401" y="3364486"/>
             <a:ext cx="1219200" cy="1219200"/>
           </a:xfrm>
           <a:prstGeom prst="rect">
@@ -10286,7 +9520,7 @@
         </p:blipFill>
         <p:spPr>
           <a:xfrm>
-            <a:off x="166914" y="3069944"/>
+            <a:off x="571600" y="4830522"/>
             <a:ext cx="1219200" cy="1219200"/>
           </a:xfrm>
           <a:prstGeom prst="rect">
@@ -10317,7 +9551,7 @@
         </p:blipFill>
         <p:spPr>
           <a:xfrm>
-            <a:off x="254057" y="1744459"/>
+            <a:off x="2286800" y="4852844"/>
             <a:ext cx="1219200" cy="1219200"/>
           </a:xfrm>
           <a:prstGeom prst="rect">
@@ -10348,7 +9582,7 @@
         </p:blipFill>
         <p:spPr>
           <a:xfrm>
-            <a:off x="2114343" y="1662173"/>
+            <a:off x="2155658" y="3397482"/>
             <a:ext cx="1219200" cy="1219200"/>
           </a:xfrm>
           <a:prstGeom prst="rect">
@@ -10379,7 +9613,7 @@
         </p:blipFill>
         <p:spPr>
           <a:xfrm>
-            <a:off x="2114343" y="286715"/>
+            <a:off x="2303086" y="1959441"/>
             <a:ext cx="1219200" cy="1219200"/>
           </a:xfrm>
           <a:prstGeom prst="rect">
@@ -10410,7 +9644,7 @@
         </p:blipFill>
         <p:spPr>
           <a:xfrm>
-            <a:off x="2114343" y="3037631"/>
+            <a:off x="2303086" y="521400"/>
             <a:ext cx="1219200" cy="1219200"/>
           </a:xfrm>
           <a:prstGeom prst="rect">
@@ -10441,7 +9675,7 @@
         </p:blipFill>
         <p:spPr>
           <a:xfrm>
-            <a:off x="3873029" y="286715"/>
+            <a:off x="3878400" y="4868530"/>
             <a:ext cx="1219200" cy="1219200"/>
           </a:xfrm>
           <a:prstGeom prst="rect">
@@ -10472,7 +9706,7 @@
         </p:blipFill>
         <p:spPr>
           <a:xfrm>
-            <a:off x="2040743" y="4414490"/>
+            <a:off x="3907314" y="3421143"/>
             <a:ext cx="1219200" cy="1219200"/>
           </a:xfrm>
           <a:prstGeom prst="rect">
@@ -10503,7 +9737,7 @@
         </p:blipFill>
         <p:spPr>
           <a:xfrm>
-            <a:off x="3733828" y="4505915"/>
+            <a:off x="3907314" y="1750200"/>
             <a:ext cx="1219200" cy="1219200"/>
           </a:xfrm>
           <a:prstGeom prst="rect">
@@ -10534,7 +9768,7 @@
         </p:blipFill>
         <p:spPr>
           <a:xfrm>
-            <a:off x="3873029" y="1636715"/>
+            <a:off x="4074799" y="371400"/>
             <a:ext cx="1219200" cy="1219200"/>
           </a:xfrm>
           <a:prstGeom prst="rect">
@@ -10565,7 +9799,7 @@
         </p:blipFill>
         <p:spPr>
           <a:xfrm>
-            <a:off x="3899200" y="3136715"/>
+            <a:off x="5554400" y="4868530"/>
             <a:ext cx="1219200" cy="1219200"/>
           </a:xfrm>
           <a:prstGeom prst="rect">
@@ -10596,7 +9830,7 @@
         </p:blipFill>
         <p:spPr>
           <a:xfrm>
-            <a:off x="7286457" y="286715"/>
+            <a:off x="5554400" y="3364486"/>
             <a:ext cx="1219200" cy="1219200"/>
           </a:xfrm>
           <a:prstGeom prst="rect">
@@ -10627,7 +9861,7 @@
         </p:blipFill>
         <p:spPr>
           <a:xfrm>
-            <a:off x="5634543" y="1636715"/>
+            <a:off x="5554400" y="1750200"/>
             <a:ext cx="1219200" cy="1219200"/>
           </a:xfrm>
           <a:prstGeom prst="rect">
@@ -10658,7 +9892,7 @@
         </p:blipFill>
         <p:spPr>
           <a:xfrm>
-            <a:off x="10680457" y="3202203"/>
+            <a:off x="5734399" y="361800"/>
             <a:ext cx="1219200" cy="1219200"/>
           </a:xfrm>
           <a:prstGeom prst="rect">
@@ -10689,7 +9923,7 @@
         </p:blipFill>
         <p:spPr>
           <a:xfrm>
-            <a:off x="9215543" y="1744459"/>
+            <a:off x="7228400" y="4868530"/>
             <a:ext cx="1219200" cy="1219200"/>
           </a:xfrm>
           <a:prstGeom prst="rect">
@@ -10720,7 +9954,7 @@
         </p:blipFill>
         <p:spPr>
           <a:xfrm>
-            <a:off x="7396057" y="1805915"/>
+            <a:off x="8984800" y="4872758"/>
             <a:ext cx="1219200" cy="1219200"/>
           </a:xfrm>
           <a:prstGeom prst="rect">
@@ -10751,7 +9985,7 @@
         </p:blipFill>
         <p:spPr>
           <a:xfrm>
-            <a:off x="9167543" y="286715"/>
+            <a:off x="10576400" y="4872758"/>
             <a:ext cx="1219200" cy="1219200"/>
           </a:xfrm>
           <a:prstGeom prst="rect">
@@ -10782,7 +10016,7 @@
         </p:blipFill>
         <p:spPr>
           <a:xfrm>
-            <a:off x="10680457" y="1744459"/>
+            <a:off x="7337714" y="3421143"/>
             <a:ext cx="1219200" cy="1219200"/>
           </a:xfrm>
           <a:prstGeom prst="rect">
@@ -10813,7 +10047,7 @@
         </p:blipFill>
         <p:spPr>
           <a:xfrm>
-            <a:off x="10680457" y="286715"/>
+            <a:off x="7337714" y="1791156"/>
             <a:ext cx="1219200" cy="1219200"/>
           </a:xfrm>
           <a:prstGeom prst="rect">
@@ -10844,7 +10078,7 @@
         </p:blipFill>
         <p:spPr>
           <a:xfrm>
-            <a:off x="7396057" y="3202203"/>
+            <a:off x="7337714" y="435085"/>
             <a:ext cx="1219200" cy="1219200"/>
           </a:xfrm>
           <a:prstGeom prst="rect">
@@ -10875,7 +10109,7 @@
         </p:blipFill>
         <p:spPr>
           <a:xfrm>
-            <a:off x="9285314" y="3202203"/>
+            <a:off x="8953200" y="3384857"/>
             <a:ext cx="1219200" cy="1219200"/>
           </a:xfrm>
           <a:prstGeom prst="rect">
@@ -10906,7 +10140,7 @@
         </p:blipFill>
         <p:spPr>
           <a:xfrm>
-            <a:off x="7396057" y="4665515"/>
+            <a:off x="8984800" y="1816042"/>
             <a:ext cx="1219200" cy="1219200"/>
           </a:xfrm>
           <a:prstGeom prst="rect">
@@ -10937,7 +10171,7 @@
         </p:blipFill>
         <p:spPr>
           <a:xfrm>
-            <a:off x="9279343" y="4665515"/>
+            <a:off x="10683085" y="3400200"/>
             <a:ext cx="1219200" cy="1219200"/>
           </a:xfrm>
           <a:prstGeom prst="rect">
@@ -10968,7 +10202,7 @@
         </p:blipFill>
         <p:spPr>
           <a:xfrm>
-            <a:off x="10694114" y="4665515"/>
+            <a:off x="8984800" y="326114"/>
             <a:ext cx="1219200" cy="1219200"/>
           </a:xfrm>
           <a:prstGeom prst="rect">
@@ -10999,7 +10233,7 @@
         </p:blipFill>
         <p:spPr>
           <a:xfrm>
-            <a:off x="5634543" y="3176229"/>
+            <a:off x="10504000" y="1927642"/>
             <a:ext cx="1219200" cy="1219200"/>
           </a:xfrm>
           <a:prstGeom prst="rect">
@@ -11030,7 +10264,7 @@
         </p:blipFill>
         <p:spPr>
           <a:xfrm>
-            <a:off x="5634543" y="286715"/>
+            <a:off x="10504000" y="314828"/>
             <a:ext cx="1219200" cy="1219200"/>
           </a:xfrm>
           <a:prstGeom prst="rect">
@@ -11041,7 +10275,7 @@
     </p:spTree>
     <p:extLst>
       <p:ext uri="{BB962C8B-B14F-4D97-AF65-F5344CB8AC3E}">
-        <p14:creationId xmlns:p14="http://schemas.microsoft.com/office/powerpoint/2010/main" val="3324423259"/>
+        <p14:creationId xmlns:p14="http://schemas.microsoft.com/office/powerpoint/2010/main" val="399454265"/>
       </p:ext>
     </p:extLst>
   </p:cSld>
@@ -11091,7 +10325,7 @@
         </p:blipFill>
         <p:spPr>
           <a:xfrm>
-            <a:off x="2066300" y="4482743"/>
+            <a:off x="166914" y="286715"/>
             <a:ext cx="1219200" cy="1219200"/>
           </a:xfrm>
           <a:prstGeom prst="rect">
@@ -11122,7 +10356,7 @@
         </p:blipFill>
         <p:spPr>
           <a:xfrm>
-            <a:off x="3544387" y="3100200"/>
+            <a:off x="166914" y="4395429"/>
             <a:ext cx="1219200" cy="1219200"/>
           </a:xfrm>
           <a:prstGeom prst="rect">
@@ -11153,7 +10387,7 @@
         </p:blipFill>
         <p:spPr>
           <a:xfrm>
-            <a:off x="1959644" y="3077257"/>
+            <a:off x="166914" y="3069944"/>
             <a:ext cx="1219200" cy="1219200"/>
           </a:xfrm>
           <a:prstGeom prst="rect">
@@ -11184,7 +10418,7 @@
         </p:blipFill>
         <p:spPr>
           <a:xfrm>
-            <a:off x="220687" y="3077257"/>
+            <a:off x="254057" y="1744459"/>
             <a:ext cx="1219200" cy="1219200"/>
           </a:xfrm>
           <a:prstGeom prst="rect">
@@ -11215,7 +10449,7 @@
         </p:blipFill>
         <p:spPr>
           <a:xfrm>
-            <a:off x="252087" y="4629000"/>
+            <a:off x="2114343" y="1662173"/>
             <a:ext cx="1219200" cy="1219200"/>
           </a:xfrm>
           <a:prstGeom prst="rect">
@@ -11246,7 +10480,7 @@
         </p:blipFill>
         <p:spPr>
           <a:xfrm>
-            <a:off x="1959644" y="1565771"/>
+            <a:off x="2114343" y="286715"/>
             <a:ext cx="1219200" cy="1219200"/>
           </a:xfrm>
           <a:prstGeom prst="rect">
@@ -11277,7 +10511,7 @@
         </p:blipFill>
         <p:spPr>
           <a:xfrm>
-            <a:off x="3652987" y="4539457"/>
+            <a:off x="2114343" y="3037631"/>
             <a:ext cx="1219200" cy="1219200"/>
           </a:xfrm>
           <a:prstGeom prst="rect">
@@ -11308,7 +10542,7 @@
         </p:blipFill>
         <p:spPr>
           <a:xfrm>
-            <a:off x="2066300" y="346571"/>
+            <a:off x="3873029" y="286715"/>
             <a:ext cx="1219200" cy="1219200"/>
           </a:xfrm>
           <a:prstGeom prst="rect">
@@ -11339,7 +10573,7 @@
         </p:blipFill>
         <p:spPr>
           <a:xfrm>
-            <a:off x="5317644" y="358887"/>
+            <a:off x="2040743" y="4414490"/>
             <a:ext cx="1219200" cy="1219200"/>
           </a:xfrm>
           <a:prstGeom prst="rect">
@@ -11370,7 +10604,7 @@
         </p:blipFill>
         <p:spPr>
           <a:xfrm>
-            <a:off x="3638644" y="1685343"/>
+            <a:off x="3733828" y="4505915"/>
             <a:ext cx="1219200" cy="1219200"/>
           </a:xfrm>
           <a:prstGeom prst="rect">
@@ -11401,7 +10635,7 @@
         </p:blipFill>
         <p:spPr>
           <a:xfrm>
-            <a:off x="3638644" y="368315"/>
+            <a:off x="3873029" y="1636715"/>
             <a:ext cx="1219200" cy="1219200"/>
           </a:xfrm>
           <a:prstGeom prst="rect">
@@ -11432,7 +10666,7 @@
         </p:blipFill>
         <p:spPr>
           <a:xfrm>
-            <a:off x="5317644" y="4609800"/>
+            <a:off x="3899200" y="3136715"/>
             <a:ext cx="1219200" cy="1219200"/>
           </a:xfrm>
           <a:prstGeom prst="rect">
@@ -11463,7 +10697,7 @@
         </p:blipFill>
         <p:spPr>
           <a:xfrm>
-            <a:off x="5317644" y="1823228"/>
+            <a:off x="7286457" y="286715"/>
             <a:ext cx="1219200" cy="1219200"/>
           </a:xfrm>
           <a:prstGeom prst="rect">
@@ -11494,7 +10728,7 @@
         </p:blipFill>
         <p:spPr>
           <a:xfrm>
-            <a:off x="5317644" y="3208114"/>
+            <a:off x="5634543" y="1636715"/>
             <a:ext cx="1219200" cy="1219200"/>
           </a:xfrm>
           <a:prstGeom prst="rect">
@@ -11525,7 +10759,7 @@
         </p:blipFill>
         <p:spPr>
           <a:xfrm>
-            <a:off x="7078800" y="368315"/>
+            <a:off x="10680457" y="3202203"/>
             <a:ext cx="1219200" cy="1219200"/>
           </a:xfrm>
           <a:prstGeom prst="rect">
@@ -11556,7 +10790,7 @@
         </p:blipFill>
         <p:spPr>
           <a:xfrm>
-            <a:off x="7129600" y="1793142"/>
+            <a:off x="9215543" y="1744459"/>
             <a:ext cx="1219200" cy="1219200"/>
           </a:xfrm>
           <a:prstGeom prst="rect">
@@ -11587,7 +10821,7 @@
         </p:blipFill>
         <p:spPr>
           <a:xfrm>
-            <a:off x="7129600" y="3320257"/>
+            <a:off x="7396057" y="1805915"/>
             <a:ext cx="1219200" cy="1219200"/>
           </a:xfrm>
           <a:prstGeom prst="rect">
@@ -11618,7 +10852,7 @@
         </p:blipFill>
         <p:spPr>
           <a:xfrm>
-            <a:off x="7192200" y="4609800"/>
+            <a:off x="9167543" y="286715"/>
             <a:ext cx="1219200" cy="1219200"/>
           </a:xfrm>
           <a:prstGeom prst="rect">
@@ -11649,7 +10883,7 @@
         </p:blipFill>
         <p:spPr>
           <a:xfrm>
-            <a:off x="8757800" y="466143"/>
+            <a:off x="10680457" y="1744459"/>
             <a:ext cx="1219200" cy="1219200"/>
           </a:xfrm>
           <a:prstGeom prst="rect">
@@ -11680,7 +10914,7 @@
         </p:blipFill>
         <p:spPr>
           <a:xfrm>
-            <a:off x="8736429" y="3349857"/>
+            <a:off x="10680457" y="286715"/>
             <a:ext cx="1219200" cy="1219200"/>
           </a:xfrm>
           <a:prstGeom prst="rect">
@@ -11711,7 +10945,7 @@
         </p:blipFill>
         <p:spPr>
           <a:xfrm>
-            <a:off x="8786400" y="1865429"/>
+            <a:off x="7396057" y="3202203"/>
             <a:ext cx="1219200" cy="1219200"/>
           </a:xfrm>
           <a:prstGeom prst="rect">
@@ -11742,7 +10976,7 @@
         </p:blipFill>
         <p:spPr>
           <a:xfrm>
-            <a:off x="8729630" y="4750200"/>
+            <a:off x="9285314" y="3202203"/>
             <a:ext cx="1219200" cy="1219200"/>
           </a:xfrm>
           <a:prstGeom prst="rect">
@@ -11773,7 +11007,7 @@
         </p:blipFill>
         <p:spPr>
           <a:xfrm>
-            <a:off x="10436800" y="3320257"/>
+            <a:off x="7396057" y="4665515"/>
             <a:ext cx="1219200" cy="1219200"/>
           </a:xfrm>
           <a:prstGeom prst="rect">
@@ -11804,7 +11038,7 @@
         </p:blipFill>
         <p:spPr>
           <a:xfrm>
-            <a:off x="10525357" y="1988914"/>
+            <a:off x="9279343" y="4665515"/>
             <a:ext cx="1219200" cy="1219200"/>
           </a:xfrm>
           <a:prstGeom prst="rect">
@@ -11835,7 +11069,7 @@
         </p:blipFill>
         <p:spPr>
           <a:xfrm>
-            <a:off x="10436800" y="466143"/>
+            <a:off x="10694114" y="4665515"/>
             <a:ext cx="1219200" cy="1219200"/>
           </a:xfrm>
           <a:prstGeom prst="rect">
@@ -11866,7 +11100,7 @@
         </p:blipFill>
         <p:spPr>
           <a:xfrm>
-            <a:off x="249658" y="1685343"/>
+            <a:off x="5634543" y="3176229"/>
             <a:ext cx="1219200" cy="1219200"/>
           </a:xfrm>
           <a:prstGeom prst="rect">
@@ -11897,7 +11131,7 @@
         </p:blipFill>
         <p:spPr>
           <a:xfrm>
-            <a:off x="249658" y="325857"/>
+            <a:off x="5634543" y="286715"/>
             <a:ext cx="1219200" cy="1219200"/>
           </a:xfrm>
           <a:prstGeom prst="rect">
@@ -11908,7 +11142,7 @@
     </p:spTree>
     <p:extLst>
       <p:ext uri="{BB962C8B-B14F-4D97-AF65-F5344CB8AC3E}">
-        <p14:creationId xmlns:p14="http://schemas.microsoft.com/office/powerpoint/2010/main" val="438152526"/>
+        <p14:creationId xmlns:p14="http://schemas.microsoft.com/office/powerpoint/2010/main" val="3324423259"/>
       </p:ext>
     </p:extLst>
   </p:cSld>
@@ -11958,7 +11192,7 @@
         </p:blipFill>
         <p:spPr>
           <a:xfrm>
-            <a:off x="297543" y="293914"/>
+            <a:off x="2066300" y="4482743"/>
             <a:ext cx="1219200" cy="1219200"/>
           </a:xfrm>
           <a:prstGeom prst="rect">
@@ -11989,7 +11223,7 @@
         </p:blipFill>
         <p:spPr>
           <a:xfrm>
-            <a:off x="297543" y="1670372"/>
+            <a:off x="3544387" y="3100200"/>
             <a:ext cx="1219200" cy="1219200"/>
           </a:xfrm>
           <a:prstGeom prst="rect">
@@ -12020,7 +11254,7 @@
         </p:blipFill>
         <p:spPr>
           <a:xfrm>
-            <a:off x="375086" y="4580546"/>
+            <a:off x="1959644" y="3077257"/>
             <a:ext cx="1219200" cy="1219200"/>
           </a:xfrm>
           <a:prstGeom prst="rect">
@@ -12051,7 +11285,7 @@
         </p:blipFill>
         <p:spPr>
           <a:xfrm>
-            <a:off x="355657" y="3046830"/>
+            <a:off x="220687" y="3077257"/>
             <a:ext cx="1219200" cy="1219200"/>
           </a:xfrm>
           <a:prstGeom prst="rect">
@@ -12082,7 +11316,7 @@
         </p:blipFill>
         <p:spPr>
           <a:xfrm>
-            <a:off x="2065943" y="219000"/>
+            <a:off x="252087" y="4629000"/>
             <a:ext cx="1219200" cy="1219200"/>
           </a:xfrm>
           <a:prstGeom prst="rect">
@@ -12113,7 +11347,7 @@
         </p:blipFill>
         <p:spPr>
           <a:xfrm>
-            <a:off x="2065943" y="3100200"/>
+            <a:off x="1959644" y="1565771"/>
             <a:ext cx="1219200" cy="1219200"/>
           </a:xfrm>
           <a:prstGeom prst="rect">
@@ -12144,7 +11378,7 @@
         </p:blipFill>
         <p:spPr>
           <a:xfrm>
-            <a:off x="1974058" y="1670372"/>
+            <a:off x="3652987" y="4539457"/>
             <a:ext cx="1219200" cy="1219200"/>
           </a:xfrm>
           <a:prstGeom prst="rect">
@@ -12175,7 +11409,7 @@
         </p:blipFill>
         <p:spPr>
           <a:xfrm>
-            <a:off x="2030971" y="4594343"/>
+            <a:off x="2066300" y="346571"/>
             <a:ext cx="1219200" cy="1219200"/>
           </a:xfrm>
           <a:prstGeom prst="rect">
@@ -12206,7 +11440,7 @@
         </p:blipFill>
         <p:spPr>
           <a:xfrm>
-            <a:off x="3834343" y="219000"/>
+            <a:off x="5317644" y="358887"/>
             <a:ext cx="1219200" cy="1219200"/>
           </a:xfrm>
           <a:prstGeom prst="rect">
@@ -12237,7 +11471,7 @@
         </p:blipFill>
         <p:spPr>
           <a:xfrm>
-            <a:off x="3939743" y="4580546"/>
+            <a:off x="3638644" y="1685343"/>
             <a:ext cx="1219200" cy="1219200"/>
           </a:xfrm>
           <a:prstGeom prst="rect">
@@ -12268,7 +11502,7 @@
         </p:blipFill>
         <p:spPr>
           <a:xfrm>
-            <a:off x="3894857" y="1708115"/>
+            <a:off x="3638644" y="368315"/>
             <a:ext cx="1219200" cy="1219200"/>
           </a:xfrm>
           <a:prstGeom prst="rect">
@@ -12299,7 +11533,7 @@
         </p:blipFill>
         <p:spPr>
           <a:xfrm>
-            <a:off x="3941886" y="3046830"/>
+            <a:off x="5317644" y="4609800"/>
             <a:ext cx="1219200" cy="1219200"/>
           </a:xfrm>
           <a:prstGeom prst="rect">
@@ -12330,7 +11564,7 @@
         </p:blipFill>
         <p:spPr>
           <a:xfrm>
-            <a:off x="5571372" y="1767343"/>
+            <a:off x="5317644" y="1823228"/>
             <a:ext cx="1219200" cy="1219200"/>
           </a:xfrm>
           <a:prstGeom prst="rect">
@@ -12361,7 +11595,7 @@
         </p:blipFill>
         <p:spPr>
           <a:xfrm>
-            <a:off x="5602743" y="293914"/>
+            <a:off x="5317644" y="3208114"/>
             <a:ext cx="1219200" cy="1219200"/>
           </a:xfrm>
           <a:prstGeom prst="rect">
@@ -12392,7 +11626,7 @@
         </p:blipFill>
         <p:spPr>
           <a:xfrm>
-            <a:off x="5571372" y="3240772"/>
+            <a:off x="7078800" y="368315"/>
             <a:ext cx="1219200" cy="1219200"/>
           </a:xfrm>
           <a:prstGeom prst="rect">
@@ -12423,7 +11657,7 @@
         </p:blipFill>
         <p:spPr>
           <a:xfrm>
-            <a:off x="7117200" y="388543"/>
+            <a:off x="7129600" y="1793142"/>
             <a:ext cx="1219200" cy="1219200"/>
           </a:xfrm>
           <a:prstGeom prst="rect">
@@ -12454,7 +11688,7 @@
         </p:blipFill>
         <p:spPr>
           <a:xfrm>
-            <a:off x="7211944" y="1819487"/>
+            <a:off x="7129600" y="3320257"/>
             <a:ext cx="1219200" cy="1219200"/>
           </a:xfrm>
           <a:prstGeom prst="rect">
@@ -12485,7 +11719,7 @@
         </p:blipFill>
         <p:spPr>
           <a:xfrm>
-            <a:off x="5624857" y="4609800"/>
+            <a:off x="7192200" y="4609800"/>
             <a:ext cx="1219200" cy="1219200"/>
           </a:xfrm>
           <a:prstGeom prst="rect">
@@ -12516,7 +11750,7 @@
         </p:blipFill>
         <p:spPr>
           <a:xfrm>
-            <a:off x="7284514" y="3295545"/>
+            <a:off x="8757800" y="466143"/>
             <a:ext cx="1219200" cy="1219200"/>
           </a:xfrm>
           <a:prstGeom prst="rect">
@@ -12547,7 +11781,7 @@
         </p:blipFill>
         <p:spPr>
           <a:xfrm>
-            <a:off x="7309971" y="4675172"/>
+            <a:off x="8736429" y="3349857"/>
             <a:ext cx="1219200" cy="1219200"/>
           </a:xfrm>
           <a:prstGeom prst="rect">
@@ -12578,7 +11812,7 @@
         </p:blipFill>
         <p:spPr>
           <a:xfrm>
-            <a:off x="8636400" y="399829"/>
+            <a:off x="8786400" y="1865429"/>
             <a:ext cx="1219200" cy="1219200"/>
           </a:xfrm>
           <a:prstGeom prst="rect">
@@ -12609,7 +11843,7 @@
         </p:blipFill>
         <p:spPr>
           <a:xfrm>
-            <a:off x="10392629" y="488915"/>
+            <a:off x="8729630" y="4750200"/>
             <a:ext cx="1219200" cy="1219200"/>
           </a:xfrm>
           <a:prstGeom prst="rect">
@@ -12640,7 +11874,7 @@
         </p:blipFill>
         <p:spPr>
           <a:xfrm>
-            <a:off x="8731257" y="1827630"/>
+            <a:off x="10436800" y="3320257"/>
             <a:ext cx="1219200" cy="1219200"/>
           </a:xfrm>
           <a:prstGeom prst="rect">
@@ -12671,7 +11905,7 @@
         </p:blipFill>
         <p:spPr>
           <a:xfrm>
-            <a:off x="8784057" y="4774428"/>
+            <a:off x="10525357" y="1988914"/>
             <a:ext cx="1219200" cy="1219200"/>
           </a:xfrm>
           <a:prstGeom prst="rect">
@@ -12702,7 +11936,7 @@
         </p:blipFill>
         <p:spPr>
           <a:xfrm>
-            <a:off x="10396399" y="3390600"/>
+            <a:off x="10436800" y="466143"/>
             <a:ext cx="1219200" cy="1219200"/>
           </a:xfrm>
           <a:prstGeom prst="rect">
@@ -12733,7 +11967,7 @@
         </p:blipFill>
         <p:spPr>
           <a:xfrm>
-            <a:off x="10349658" y="2076345"/>
+            <a:off x="249658" y="1685343"/>
             <a:ext cx="1219200" cy="1219200"/>
           </a:xfrm>
           <a:prstGeom prst="rect">
@@ -12764,7 +11998,7 @@
         </p:blipFill>
         <p:spPr>
           <a:xfrm>
-            <a:off x="8773943" y="3438915"/>
+            <a:off x="249658" y="325857"/>
             <a:ext cx="1219200" cy="1219200"/>
           </a:xfrm>
           <a:prstGeom prst="rect">
@@ -12775,7 +12009,7 @@
     </p:spTree>
     <p:extLst>
       <p:ext uri="{BB962C8B-B14F-4D97-AF65-F5344CB8AC3E}">
-        <p14:creationId xmlns:p14="http://schemas.microsoft.com/office/powerpoint/2010/main" val="214978686"/>
+        <p14:creationId xmlns:p14="http://schemas.microsoft.com/office/powerpoint/2010/main" val="438152526"/>
       </p:ext>
     </p:extLst>
   </p:cSld>
@@ -12825,6 +12059,873 @@
         </p:blipFill>
         <p:spPr>
           <a:xfrm>
+            <a:off x="297543" y="293914"/>
+            <a:ext cx="1219200" cy="1219200"/>
+          </a:xfrm>
+          <a:prstGeom prst="rect">
+            <a:avLst/>
+          </a:prstGeom>
+        </p:spPr>
+      </p:pic>
+      <p:pic>
+        <p:nvPicPr>
+          <p:cNvPr id="3" name="Picture 2"/>
+          <p:cNvPicPr>
+            <a:picLocks noChangeAspect="1"/>
+          </p:cNvPicPr>
+          <p:nvPr/>
+        </p:nvPicPr>
+        <p:blipFill>
+          <a:blip r:embed="rId3">
+            <a:lum bright="70000" contrast="-70000"/>
+            <a:extLst>
+              <a:ext uri="{28A0092B-C50C-407E-A947-70E740481C1C}">
+                <a14:useLocalDpi xmlns:a14="http://schemas.microsoft.com/office/drawing/2010/main" val="0"/>
+              </a:ext>
+            </a:extLst>
+          </a:blip>
+          <a:stretch>
+            <a:fillRect/>
+          </a:stretch>
+        </p:blipFill>
+        <p:spPr>
+          <a:xfrm>
+            <a:off x="297543" y="1670372"/>
+            <a:ext cx="1219200" cy="1219200"/>
+          </a:xfrm>
+          <a:prstGeom prst="rect">
+            <a:avLst/>
+          </a:prstGeom>
+        </p:spPr>
+      </p:pic>
+      <p:pic>
+        <p:nvPicPr>
+          <p:cNvPr id="4" name="Picture 3"/>
+          <p:cNvPicPr>
+            <a:picLocks noChangeAspect="1"/>
+          </p:cNvPicPr>
+          <p:nvPr/>
+        </p:nvPicPr>
+        <p:blipFill>
+          <a:blip r:embed="rId4">
+            <a:lum bright="70000" contrast="-70000"/>
+            <a:extLst>
+              <a:ext uri="{28A0092B-C50C-407E-A947-70E740481C1C}">
+                <a14:useLocalDpi xmlns:a14="http://schemas.microsoft.com/office/drawing/2010/main" val="0"/>
+              </a:ext>
+            </a:extLst>
+          </a:blip>
+          <a:stretch>
+            <a:fillRect/>
+          </a:stretch>
+        </p:blipFill>
+        <p:spPr>
+          <a:xfrm>
+            <a:off x="375086" y="4580546"/>
+            <a:ext cx="1219200" cy="1219200"/>
+          </a:xfrm>
+          <a:prstGeom prst="rect">
+            <a:avLst/>
+          </a:prstGeom>
+        </p:spPr>
+      </p:pic>
+      <p:pic>
+        <p:nvPicPr>
+          <p:cNvPr id="5" name="Picture 4"/>
+          <p:cNvPicPr>
+            <a:picLocks noChangeAspect="1"/>
+          </p:cNvPicPr>
+          <p:nvPr/>
+        </p:nvPicPr>
+        <p:blipFill>
+          <a:blip r:embed="rId5">
+            <a:lum bright="70000" contrast="-70000"/>
+            <a:extLst>
+              <a:ext uri="{28A0092B-C50C-407E-A947-70E740481C1C}">
+                <a14:useLocalDpi xmlns:a14="http://schemas.microsoft.com/office/drawing/2010/main" val="0"/>
+              </a:ext>
+            </a:extLst>
+          </a:blip>
+          <a:stretch>
+            <a:fillRect/>
+          </a:stretch>
+        </p:blipFill>
+        <p:spPr>
+          <a:xfrm>
+            <a:off x="355657" y="3046830"/>
+            <a:ext cx="1219200" cy="1219200"/>
+          </a:xfrm>
+          <a:prstGeom prst="rect">
+            <a:avLst/>
+          </a:prstGeom>
+        </p:spPr>
+      </p:pic>
+      <p:pic>
+        <p:nvPicPr>
+          <p:cNvPr id="6" name="Picture 5"/>
+          <p:cNvPicPr>
+            <a:picLocks noChangeAspect="1"/>
+          </p:cNvPicPr>
+          <p:nvPr/>
+        </p:nvPicPr>
+        <p:blipFill>
+          <a:blip r:embed="rId6">
+            <a:lum bright="70000" contrast="-70000"/>
+            <a:extLst>
+              <a:ext uri="{28A0092B-C50C-407E-A947-70E740481C1C}">
+                <a14:useLocalDpi xmlns:a14="http://schemas.microsoft.com/office/drawing/2010/main" val="0"/>
+              </a:ext>
+            </a:extLst>
+          </a:blip>
+          <a:stretch>
+            <a:fillRect/>
+          </a:stretch>
+        </p:blipFill>
+        <p:spPr>
+          <a:xfrm>
+            <a:off x="2065943" y="219000"/>
+            <a:ext cx="1219200" cy="1219200"/>
+          </a:xfrm>
+          <a:prstGeom prst="rect">
+            <a:avLst/>
+          </a:prstGeom>
+        </p:spPr>
+      </p:pic>
+      <p:pic>
+        <p:nvPicPr>
+          <p:cNvPr id="7" name="Picture 6"/>
+          <p:cNvPicPr>
+            <a:picLocks noChangeAspect="1"/>
+          </p:cNvPicPr>
+          <p:nvPr/>
+        </p:nvPicPr>
+        <p:blipFill>
+          <a:blip r:embed="rId7">
+            <a:lum bright="70000" contrast="-70000"/>
+            <a:extLst>
+              <a:ext uri="{28A0092B-C50C-407E-A947-70E740481C1C}">
+                <a14:useLocalDpi xmlns:a14="http://schemas.microsoft.com/office/drawing/2010/main" val="0"/>
+              </a:ext>
+            </a:extLst>
+          </a:blip>
+          <a:stretch>
+            <a:fillRect/>
+          </a:stretch>
+        </p:blipFill>
+        <p:spPr>
+          <a:xfrm>
+            <a:off x="2065943" y="3100200"/>
+            <a:ext cx="1219200" cy="1219200"/>
+          </a:xfrm>
+          <a:prstGeom prst="rect">
+            <a:avLst/>
+          </a:prstGeom>
+        </p:spPr>
+      </p:pic>
+      <p:pic>
+        <p:nvPicPr>
+          <p:cNvPr id="8" name="Picture 7"/>
+          <p:cNvPicPr>
+            <a:picLocks noChangeAspect="1"/>
+          </p:cNvPicPr>
+          <p:nvPr/>
+        </p:nvPicPr>
+        <p:blipFill>
+          <a:blip r:embed="rId8">
+            <a:lum bright="70000" contrast="-70000"/>
+            <a:extLst>
+              <a:ext uri="{28A0092B-C50C-407E-A947-70E740481C1C}">
+                <a14:useLocalDpi xmlns:a14="http://schemas.microsoft.com/office/drawing/2010/main" val="0"/>
+              </a:ext>
+            </a:extLst>
+          </a:blip>
+          <a:stretch>
+            <a:fillRect/>
+          </a:stretch>
+        </p:blipFill>
+        <p:spPr>
+          <a:xfrm>
+            <a:off x="1974058" y="1670372"/>
+            <a:ext cx="1219200" cy="1219200"/>
+          </a:xfrm>
+          <a:prstGeom prst="rect">
+            <a:avLst/>
+          </a:prstGeom>
+        </p:spPr>
+      </p:pic>
+      <p:pic>
+        <p:nvPicPr>
+          <p:cNvPr id="9" name="Picture 8"/>
+          <p:cNvPicPr>
+            <a:picLocks noChangeAspect="1"/>
+          </p:cNvPicPr>
+          <p:nvPr/>
+        </p:nvPicPr>
+        <p:blipFill>
+          <a:blip r:embed="rId9">
+            <a:lum bright="70000" contrast="-70000"/>
+            <a:extLst>
+              <a:ext uri="{28A0092B-C50C-407E-A947-70E740481C1C}">
+                <a14:useLocalDpi xmlns:a14="http://schemas.microsoft.com/office/drawing/2010/main" val="0"/>
+              </a:ext>
+            </a:extLst>
+          </a:blip>
+          <a:stretch>
+            <a:fillRect/>
+          </a:stretch>
+        </p:blipFill>
+        <p:spPr>
+          <a:xfrm>
+            <a:off x="2030971" y="4594343"/>
+            <a:ext cx="1219200" cy="1219200"/>
+          </a:xfrm>
+          <a:prstGeom prst="rect">
+            <a:avLst/>
+          </a:prstGeom>
+        </p:spPr>
+      </p:pic>
+      <p:pic>
+        <p:nvPicPr>
+          <p:cNvPr id="10" name="Picture 9"/>
+          <p:cNvPicPr>
+            <a:picLocks noChangeAspect="1"/>
+          </p:cNvPicPr>
+          <p:nvPr/>
+        </p:nvPicPr>
+        <p:blipFill>
+          <a:blip r:embed="rId10">
+            <a:lum bright="70000" contrast="-70000"/>
+            <a:extLst>
+              <a:ext uri="{28A0092B-C50C-407E-A947-70E740481C1C}">
+                <a14:useLocalDpi xmlns:a14="http://schemas.microsoft.com/office/drawing/2010/main" val="0"/>
+              </a:ext>
+            </a:extLst>
+          </a:blip>
+          <a:stretch>
+            <a:fillRect/>
+          </a:stretch>
+        </p:blipFill>
+        <p:spPr>
+          <a:xfrm>
+            <a:off x="3834343" y="219000"/>
+            <a:ext cx="1219200" cy="1219200"/>
+          </a:xfrm>
+          <a:prstGeom prst="rect">
+            <a:avLst/>
+          </a:prstGeom>
+        </p:spPr>
+      </p:pic>
+      <p:pic>
+        <p:nvPicPr>
+          <p:cNvPr id="11" name="Picture 10"/>
+          <p:cNvPicPr>
+            <a:picLocks noChangeAspect="1"/>
+          </p:cNvPicPr>
+          <p:nvPr/>
+        </p:nvPicPr>
+        <p:blipFill>
+          <a:blip r:embed="rId11">
+            <a:lum bright="70000" contrast="-70000"/>
+            <a:extLst>
+              <a:ext uri="{28A0092B-C50C-407E-A947-70E740481C1C}">
+                <a14:useLocalDpi xmlns:a14="http://schemas.microsoft.com/office/drawing/2010/main" val="0"/>
+              </a:ext>
+            </a:extLst>
+          </a:blip>
+          <a:stretch>
+            <a:fillRect/>
+          </a:stretch>
+        </p:blipFill>
+        <p:spPr>
+          <a:xfrm>
+            <a:off x="3939743" y="4580546"/>
+            <a:ext cx="1219200" cy="1219200"/>
+          </a:xfrm>
+          <a:prstGeom prst="rect">
+            <a:avLst/>
+          </a:prstGeom>
+        </p:spPr>
+      </p:pic>
+      <p:pic>
+        <p:nvPicPr>
+          <p:cNvPr id="12" name="Picture 11"/>
+          <p:cNvPicPr>
+            <a:picLocks noChangeAspect="1"/>
+          </p:cNvPicPr>
+          <p:nvPr/>
+        </p:nvPicPr>
+        <p:blipFill>
+          <a:blip r:embed="rId12">
+            <a:lum bright="70000" contrast="-70000"/>
+            <a:extLst>
+              <a:ext uri="{28A0092B-C50C-407E-A947-70E740481C1C}">
+                <a14:useLocalDpi xmlns:a14="http://schemas.microsoft.com/office/drawing/2010/main" val="0"/>
+              </a:ext>
+            </a:extLst>
+          </a:blip>
+          <a:stretch>
+            <a:fillRect/>
+          </a:stretch>
+        </p:blipFill>
+        <p:spPr>
+          <a:xfrm>
+            <a:off x="3894857" y="1708115"/>
+            <a:ext cx="1219200" cy="1219200"/>
+          </a:xfrm>
+          <a:prstGeom prst="rect">
+            <a:avLst/>
+          </a:prstGeom>
+        </p:spPr>
+      </p:pic>
+      <p:pic>
+        <p:nvPicPr>
+          <p:cNvPr id="13" name="Picture 12"/>
+          <p:cNvPicPr>
+            <a:picLocks noChangeAspect="1"/>
+          </p:cNvPicPr>
+          <p:nvPr/>
+        </p:nvPicPr>
+        <p:blipFill>
+          <a:blip r:embed="rId13">
+            <a:lum bright="70000" contrast="-70000"/>
+            <a:extLst>
+              <a:ext uri="{28A0092B-C50C-407E-A947-70E740481C1C}">
+                <a14:useLocalDpi xmlns:a14="http://schemas.microsoft.com/office/drawing/2010/main" val="0"/>
+              </a:ext>
+            </a:extLst>
+          </a:blip>
+          <a:stretch>
+            <a:fillRect/>
+          </a:stretch>
+        </p:blipFill>
+        <p:spPr>
+          <a:xfrm>
+            <a:off x="3941886" y="3046830"/>
+            <a:ext cx="1219200" cy="1219200"/>
+          </a:xfrm>
+          <a:prstGeom prst="rect">
+            <a:avLst/>
+          </a:prstGeom>
+        </p:spPr>
+      </p:pic>
+      <p:pic>
+        <p:nvPicPr>
+          <p:cNvPr id="14" name="Picture 13"/>
+          <p:cNvPicPr>
+            <a:picLocks noChangeAspect="1"/>
+          </p:cNvPicPr>
+          <p:nvPr/>
+        </p:nvPicPr>
+        <p:blipFill>
+          <a:blip r:embed="rId14">
+            <a:lum bright="70000" contrast="-70000"/>
+            <a:extLst>
+              <a:ext uri="{28A0092B-C50C-407E-A947-70E740481C1C}">
+                <a14:useLocalDpi xmlns:a14="http://schemas.microsoft.com/office/drawing/2010/main" val="0"/>
+              </a:ext>
+            </a:extLst>
+          </a:blip>
+          <a:stretch>
+            <a:fillRect/>
+          </a:stretch>
+        </p:blipFill>
+        <p:spPr>
+          <a:xfrm>
+            <a:off x="5571372" y="1767343"/>
+            <a:ext cx="1219200" cy="1219200"/>
+          </a:xfrm>
+          <a:prstGeom prst="rect">
+            <a:avLst/>
+          </a:prstGeom>
+        </p:spPr>
+      </p:pic>
+      <p:pic>
+        <p:nvPicPr>
+          <p:cNvPr id="15" name="Picture 14"/>
+          <p:cNvPicPr>
+            <a:picLocks noChangeAspect="1"/>
+          </p:cNvPicPr>
+          <p:nvPr/>
+        </p:nvPicPr>
+        <p:blipFill>
+          <a:blip r:embed="rId15">
+            <a:lum bright="70000" contrast="-70000"/>
+            <a:extLst>
+              <a:ext uri="{28A0092B-C50C-407E-A947-70E740481C1C}">
+                <a14:useLocalDpi xmlns:a14="http://schemas.microsoft.com/office/drawing/2010/main" val="0"/>
+              </a:ext>
+            </a:extLst>
+          </a:blip>
+          <a:stretch>
+            <a:fillRect/>
+          </a:stretch>
+        </p:blipFill>
+        <p:spPr>
+          <a:xfrm>
+            <a:off x="5602743" y="293914"/>
+            <a:ext cx="1219200" cy="1219200"/>
+          </a:xfrm>
+          <a:prstGeom prst="rect">
+            <a:avLst/>
+          </a:prstGeom>
+        </p:spPr>
+      </p:pic>
+      <p:pic>
+        <p:nvPicPr>
+          <p:cNvPr id="16" name="Picture 15"/>
+          <p:cNvPicPr>
+            <a:picLocks noChangeAspect="1"/>
+          </p:cNvPicPr>
+          <p:nvPr/>
+        </p:nvPicPr>
+        <p:blipFill>
+          <a:blip r:embed="rId16">
+            <a:lum bright="70000" contrast="-70000"/>
+            <a:extLst>
+              <a:ext uri="{28A0092B-C50C-407E-A947-70E740481C1C}">
+                <a14:useLocalDpi xmlns:a14="http://schemas.microsoft.com/office/drawing/2010/main" val="0"/>
+              </a:ext>
+            </a:extLst>
+          </a:blip>
+          <a:stretch>
+            <a:fillRect/>
+          </a:stretch>
+        </p:blipFill>
+        <p:spPr>
+          <a:xfrm>
+            <a:off x="5571372" y="3240772"/>
+            <a:ext cx="1219200" cy="1219200"/>
+          </a:xfrm>
+          <a:prstGeom prst="rect">
+            <a:avLst/>
+          </a:prstGeom>
+        </p:spPr>
+      </p:pic>
+      <p:pic>
+        <p:nvPicPr>
+          <p:cNvPr id="17" name="Picture 16"/>
+          <p:cNvPicPr>
+            <a:picLocks noChangeAspect="1"/>
+          </p:cNvPicPr>
+          <p:nvPr/>
+        </p:nvPicPr>
+        <p:blipFill>
+          <a:blip r:embed="rId17">
+            <a:lum bright="70000" contrast="-70000"/>
+            <a:extLst>
+              <a:ext uri="{28A0092B-C50C-407E-A947-70E740481C1C}">
+                <a14:useLocalDpi xmlns:a14="http://schemas.microsoft.com/office/drawing/2010/main" val="0"/>
+              </a:ext>
+            </a:extLst>
+          </a:blip>
+          <a:stretch>
+            <a:fillRect/>
+          </a:stretch>
+        </p:blipFill>
+        <p:spPr>
+          <a:xfrm>
+            <a:off x="7117200" y="388543"/>
+            <a:ext cx="1219200" cy="1219200"/>
+          </a:xfrm>
+          <a:prstGeom prst="rect">
+            <a:avLst/>
+          </a:prstGeom>
+        </p:spPr>
+      </p:pic>
+      <p:pic>
+        <p:nvPicPr>
+          <p:cNvPr id="18" name="Picture 17"/>
+          <p:cNvPicPr>
+            <a:picLocks noChangeAspect="1"/>
+          </p:cNvPicPr>
+          <p:nvPr/>
+        </p:nvPicPr>
+        <p:blipFill>
+          <a:blip r:embed="rId18">
+            <a:lum bright="70000" contrast="-70000"/>
+            <a:extLst>
+              <a:ext uri="{28A0092B-C50C-407E-A947-70E740481C1C}">
+                <a14:useLocalDpi xmlns:a14="http://schemas.microsoft.com/office/drawing/2010/main" val="0"/>
+              </a:ext>
+            </a:extLst>
+          </a:blip>
+          <a:stretch>
+            <a:fillRect/>
+          </a:stretch>
+        </p:blipFill>
+        <p:spPr>
+          <a:xfrm>
+            <a:off x="7211944" y="1819487"/>
+            <a:ext cx="1219200" cy="1219200"/>
+          </a:xfrm>
+          <a:prstGeom prst="rect">
+            <a:avLst/>
+          </a:prstGeom>
+        </p:spPr>
+      </p:pic>
+      <p:pic>
+        <p:nvPicPr>
+          <p:cNvPr id="19" name="Picture 18"/>
+          <p:cNvPicPr>
+            <a:picLocks noChangeAspect="1"/>
+          </p:cNvPicPr>
+          <p:nvPr/>
+        </p:nvPicPr>
+        <p:blipFill>
+          <a:blip r:embed="rId19">
+            <a:lum bright="70000" contrast="-70000"/>
+            <a:extLst>
+              <a:ext uri="{28A0092B-C50C-407E-A947-70E740481C1C}">
+                <a14:useLocalDpi xmlns:a14="http://schemas.microsoft.com/office/drawing/2010/main" val="0"/>
+              </a:ext>
+            </a:extLst>
+          </a:blip>
+          <a:stretch>
+            <a:fillRect/>
+          </a:stretch>
+        </p:blipFill>
+        <p:spPr>
+          <a:xfrm>
+            <a:off x="5624857" y="4609800"/>
+            <a:ext cx="1219200" cy="1219200"/>
+          </a:xfrm>
+          <a:prstGeom prst="rect">
+            <a:avLst/>
+          </a:prstGeom>
+        </p:spPr>
+      </p:pic>
+      <p:pic>
+        <p:nvPicPr>
+          <p:cNvPr id="20" name="Picture 19"/>
+          <p:cNvPicPr>
+            <a:picLocks noChangeAspect="1"/>
+          </p:cNvPicPr>
+          <p:nvPr/>
+        </p:nvPicPr>
+        <p:blipFill>
+          <a:blip r:embed="rId20">
+            <a:lum bright="70000" contrast="-70000"/>
+            <a:extLst>
+              <a:ext uri="{28A0092B-C50C-407E-A947-70E740481C1C}">
+                <a14:useLocalDpi xmlns:a14="http://schemas.microsoft.com/office/drawing/2010/main" val="0"/>
+              </a:ext>
+            </a:extLst>
+          </a:blip>
+          <a:stretch>
+            <a:fillRect/>
+          </a:stretch>
+        </p:blipFill>
+        <p:spPr>
+          <a:xfrm>
+            <a:off x="7284514" y="3295545"/>
+            <a:ext cx="1219200" cy="1219200"/>
+          </a:xfrm>
+          <a:prstGeom prst="rect">
+            <a:avLst/>
+          </a:prstGeom>
+        </p:spPr>
+      </p:pic>
+      <p:pic>
+        <p:nvPicPr>
+          <p:cNvPr id="21" name="Picture 20"/>
+          <p:cNvPicPr>
+            <a:picLocks noChangeAspect="1"/>
+          </p:cNvPicPr>
+          <p:nvPr/>
+        </p:nvPicPr>
+        <p:blipFill>
+          <a:blip r:embed="rId21">
+            <a:lum bright="70000" contrast="-70000"/>
+            <a:extLst>
+              <a:ext uri="{28A0092B-C50C-407E-A947-70E740481C1C}">
+                <a14:useLocalDpi xmlns:a14="http://schemas.microsoft.com/office/drawing/2010/main" val="0"/>
+              </a:ext>
+            </a:extLst>
+          </a:blip>
+          <a:stretch>
+            <a:fillRect/>
+          </a:stretch>
+        </p:blipFill>
+        <p:spPr>
+          <a:xfrm>
+            <a:off x="7309971" y="4675172"/>
+            <a:ext cx="1219200" cy="1219200"/>
+          </a:xfrm>
+          <a:prstGeom prst="rect">
+            <a:avLst/>
+          </a:prstGeom>
+        </p:spPr>
+      </p:pic>
+      <p:pic>
+        <p:nvPicPr>
+          <p:cNvPr id="22" name="Picture 21"/>
+          <p:cNvPicPr>
+            <a:picLocks noChangeAspect="1"/>
+          </p:cNvPicPr>
+          <p:nvPr/>
+        </p:nvPicPr>
+        <p:blipFill>
+          <a:blip r:embed="rId22">
+            <a:lum bright="70000" contrast="-70000"/>
+            <a:extLst>
+              <a:ext uri="{28A0092B-C50C-407E-A947-70E740481C1C}">
+                <a14:useLocalDpi xmlns:a14="http://schemas.microsoft.com/office/drawing/2010/main" val="0"/>
+              </a:ext>
+            </a:extLst>
+          </a:blip>
+          <a:stretch>
+            <a:fillRect/>
+          </a:stretch>
+        </p:blipFill>
+        <p:spPr>
+          <a:xfrm>
+            <a:off x="8636400" y="399829"/>
+            <a:ext cx="1219200" cy="1219200"/>
+          </a:xfrm>
+          <a:prstGeom prst="rect">
+            <a:avLst/>
+          </a:prstGeom>
+        </p:spPr>
+      </p:pic>
+      <p:pic>
+        <p:nvPicPr>
+          <p:cNvPr id="23" name="Picture 22"/>
+          <p:cNvPicPr>
+            <a:picLocks noChangeAspect="1"/>
+          </p:cNvPicPr>
+          <p:nvPr/>
+        </p:nvPicPr>
+        <p:blipFill>
+          <a:blip r:embed="rId23">
+            <a:lum bright="70000" contrast="-70000"/>
+            <a:extLst>
+              <a:ext uri="{28A0092B-C50C-407E-A947-70E740481C1C}">
+                <a14:useLocalDpi xmlns:a14="http://schemas.microsoft.com/office/drawing/2010/main" val="0"/>
+              </a:ext>
+            </a:extLst>
+          </a:blip>
+          <a:stretch>
+            <a:fillRect/>
+          </a:stretch>
+        </p:blipFill>
+        <p:spPr>
+          <a:xfrm>
+            <a:off x="10392629" y="488915"/>
+            <a:ext cx="1219200" cy="1219200"/>
+          </a:xfrm>
+          <a:prstGeom prst="rect">
+            <a:avLst/>
+          </a:prstGeom>
+        </p:spPr>
+      </p:pic>
+      <p:pic>
+        <p:nvPicPr>
+          <p:cNvPr id="24" name="Picture 23"/>
+          <p:cNvPicPr>
+            <a:picLocks noChangeAspect="1"/>
+          </p:cNvPicPr>
+          <p:nvPr/>
+        </p:nvPicPr>
+        <p:blipFill>
+          <a:blip r:embed="rId24">
+            <a:lum bright="70000" contrast="-70000"/>
+            <a:extLst>
+              <a:ext uri="{28A0092B-C50C-407E-A947-70E740481C1C}">
+                <a14:useLocalDpi xmlns:a14="http://schemas.microsoft.com/office/drawing/2010/main" val="0"/>
+              </a:ext>
+            </a:extLst>
+          </a:blip>
+          <a:stretch>
+            <a:fillRect/>
+          </a:stretch>
+        </p:blipFill>
+        <p:spPr>
+          <a:xfrm>
+            <a:off x="8731257" y="1827630"/>
+            <a:ext cx="1219200" cy="1219200"/>
+          </a:xfrm>
+          <a:prstGeom prst="rect">
+            <a:avLst/>
+          </a:prstGeom>
+        </p:spPr>
+      </p:pic>
+      <p:pic>
+        <p:nvPicPr>
+          <p:cNvPr id="25" name="Picture 24"/>
+          <p:cNvPicPr>
+            <a:picLocks noChangeAspect="1"/>
+          </p:cNvPicPr>
+          <p:nvPr/>
+        </p:nvPicPr>
+        <p:blipFill>
+          <a:blip r:embed="rId25">
+            <a:lum bright="70000" contrast="-70000"/>
+            <a:extLst>
+              <a:ext uri="{28A0092B-C50C-407E-A947-70E740481C1C}">
+                <a14:useLocalDpi xmlns:a14="http://schemas.microsoft.com/office/drawing/2010/main" val="0"/>
+              </a:ext>
+            </a:extLst>
+          </a:blip>
+          <a:stretch>
+            <a:fillRect/>
+          </a:stretch>
+        </p:blipFill>
+        <p:spPr>
+          <a:xfrm>
+            <a:off x="8784057" y="4774428"/>
+            <a:ext cx="1219200" cy="1219200"/>
+          </a:xfrm>
+          <a:prstGeom prst="rect">
+            <a:avLst/>
+          </a:prstGeom>
+        </p:spPr>
+      </p:pic>
+      <p:pic>
+        <p:nvPicPr>
+          <p:cNvPr id="26" name="Picture 25"/>
+          <p:cNvPicPr>
+            <a:picLocks noChangeAspect="1"/>
+          </p:cNvPicPr>
+          <p:nvPr/>
+        </p:nvPicPr>
+        <p:blipFill>
+          <a:blip r:embed="rId26">
+            <a:lum bright="70000" contrast="-70000"/>
+            <a:extLst>
+              <a:ext uri="{28A0092B-C50C-407E-A947-70E740481C1C}">
+                <a14:useLocalDpi xmlns:a14="http://schemas.microsoft.com/office/drawing/2010/main" val="0"/>
+              </a:ext>
+            </a:extLst>
+          </a:blip>
+          <a:stretch>
+            <a:fillRect/>
+          </a:stretch>
+        </p:blipFill>
+        <p:spPr>
+          <a:xfrm>
+            <a:off x="10396399" y="3390600"/>
+            <a:ext cx="1219200" cy="1219200"/>
+          </a:xfrm>
+          <a:prstGeom prst="rect">
+            <a:avLst/>
+          </a:prstGeom>
+        </p:spPr>
+      </p:pic>
+      <p:pic>
+        <p:nvPicPr>
+          <p:cNvPr id="27" name="Picture 26"/>
+          <p:cNvPicPr>
+            <a:picLocks noChangeAspect="1"/>
+          </p:cNvPicPr>
+          <p:nvPr/>
+        </p:nvPicPr>
+        <p:blipFill>
+          <a:blip r:embed="rId27">
+            <a:lum bright="70000" contrast="-70000"/>
+            <a:extLst>
+              <a:ext uri="{28A0092B-C50C-407E-A947-70E740481C1C}">
+                <a14:useLocalDpi xmlns:a14="http://schemas.microsoft.com/office/drawing/2010/main" val="0"/>
+              </a:ext>
+            </a:extLst>
+          </a:blip>
+          <a:stretch>
+            <a:fillRect/>
+          </a:stretch>
+        </p:blipFill>
+        <p:spPr>
+          <a:xfrm>
+            <a:off x="10349658" y="2076345"/>
+            <a:ext cx="1219200" cy="1219200"/>
+          </a:xfrm>
+          <a:prstGeom prst="rect">
+            <a:avLst/>
+          </a:prstGeom>
+        </p:spPr>
+      </p:pic>
+      <p:pic>
+        <p:nvPicPr>
+          <p:cNvPr id="28" name="Picture 27"/>
+          <p:cNvPicPr>
+            <a:picLocks noChangeAspect="1"/>
+          </p:cNvPicPr>
+          <p:nvPr/>
+        </p:nvPicPr>
+        <p:blipFill>
+          <a:blip r:embed="rId28">
+            <a:lum bright="70000" contrast="-70000"/>
+            <a:extLst>
+              <a:ext uri="{28A0092B-C50C-407E-A947-70E740481C1C}">
+                <a14:useLocalDpi xmlns:a14="http://schemas.microsoft.com/office/drawing/2010/main" val="0"/>
+              </a:ext>
+            </a:extLst>
+          </a:blip>
+          <a:stretch>
+            <a:fillRect/>
+          </a:stretch>
+        </p:blipFill>
+        <p:spPr>
+          <a:xfrm>
+            <a:off x="8773943" y="3438915"/>
+            <a:ext cx="1219200" cy="1219200"/>
+          </a:xfrm>
+          <a:prstGeom prst="rect">
+            <a:avLst/>
+          </a:prstGeom>
+        </p:spPr>
+      </p:pic>
+    </p:spTree>
+    <p:extLst>
+      <p:ext uri="{BB962C8B-B14F-4D97-AF65-F5344CB8AC3E}">
+        <p14:creationId xmlns:p14="http://schemas.microsoft.com/office/powerpoint/2010/main" val="214978686"/>
+      </p:ext>
+    </p:extLst>
+  </p:cSld>
+  <p:clrMapOvr>
+    <a:masterClrMapping/>
+  </p:clrMapOvr>
+</p:sld>
+</file>
+
+<file path=ppt/slides/slide28.xml><?xml version="1.0" encoding="utf-8"?>
+<p:sld xmlns:a="http://schemas.openxmlformats.org/drawingml/2006/main" xmlns:r="http://schemas.openxmlformats.org/officeDocument/2006/relationships" xmlns:p="http://schemas.openxmlformats.org/presentationml/2006/main" show="0">
+  <p:cSld>
+    <p:spTree>
+      <p:nvGrpSpPr>
+        <p:cNvPr id="1" name=""/>
+        <p:cNvGrpSpPr/>
+        <p:nvPr/>
+      </p:nvGrpSpPr>
+      <p:grpSpPr>
+        <a:xfrm>
+          <a:off x="0" y="0"/>
+          <a:ext cx="0" cy="0"/>
+          <a:chOff x="0" y="0"/>
+          <a:chExt cx="0" cy="0"/>
+        </a:xfrm>
+      </p:grpSpPr>
+      <p:pic>
+        <p:nvPicPr>
+          <p:cNvPr id="2" name="Picture 1"/>
+          <p:cNvPicPr>
+            <a:picLocks noChangeAspect="1"/>
+          </p:cNvPicPr>
+          <p:nvPr/>
+        </p:nvPicPr>
+        <p:blipFill>
+          <a:blip r:embed="rId2">
+            <a:lum bright="70000" contrast="-70000"/>
+            <a:extLst>
+              <a:ext uri="{28A0092B-C50C-407E-A947-70E740481C1C}">
+                <a14:useLocalDpi xmlns:a14="http://schemas.microsoft.com/office/drawing/2010/main" val="0"/>
+              </a:ext>
+            </a:extLst>
+          </a:blip>
+          <a:stretch>
+            <a:fillRect/>
+          </a:stretch>
+        </p:blipFill>
+        <p:spPr>
+          <a:xfrm>
             <a:off x="304800" y="373743"/>
             <a:ext cx="1219200" cy="1219200"/>
           </a:xfrm>
@@ -13497,7 +13598,7 @@
 </p:sld>
 </file>
 
-<file path=ppt/slides/slide28.xml><?xml version="1.0" encoding="utf-8"?>
+<file path=ppt/slides/slide29.xml><?xml version="1.0" encoding="utf-8"?>
 <p:sld xmlns:a="http://schemas.openxmlformats.org/drawingml/2006/main" xmlns:r="http://schemas.openxmlformats.org/officeDocument/2006/relationships" xmlns:p="http://schemas.openxmlformats.org/presentationml/2006/main" show="0">
   <p:cSld>
     <p:spTree>
@@ -14096,7 +14197,7 @@
           <a:p>
             <a:r>
               <a:rPr lang="en-US" dirty="0"/>
-              <a:t>PowerShell performance is relative and situational</a:t>
+              <a:t>PowerShell performance is often relative and situational</a:t>
             </a:r>
           </a:p>
           <a:p>
@@ -14117,7 +14218,7 @@
             <a:pPr lvl="1"/>
             <a:r>
               <a:rPr lang="en-US" dirty="0"/>
-              <a:t>What worked when you tested it will never work when you need it</a:t>
+              <a:t>What worked when you tested it will never work when you need it (Murphy’s Law)</a:t>
             </a:r>
           </a:p>
           <a:p>
@@ -14528,6 +14629,18 @@
             </a:r>
             <a:endParaRPr lang="en-US" dirty="0"/>
           </a:p>
+          <a:p>
+            <a:r>
+              <a:rPr lang="en-US" dirty="0"/>
+              <a:t>Suppress Output</a:t>
+            </a:r>
+          </a:p>
+          <a:p>
+            <a:r>
+              <a:rPr lang="en-US" dirty="0"/>
+              <a:t>Avoid Write-Host</a:t>
+            </a:r>
+          </a:p>
         </p:txBody>
       </p:sp>
     </p:spTree>
@@ -14606,7 +14719,9 @@
         </p:nvSpPr>
         <p:spPr/>
         <p:txBody>
-          <a:bodyPr/>
+          <a:bodyPr>
+            <a:normAutofit lnSpcReduction="10000"/>
+          </a:bodyPr>
           <a:lstStyle/>
           <a:p>
             <a:r>
@@ -14659,7 +14774,7 @@
             </a:r>
             <a:r>
               <a:rPr lang="en-US" dirty="0"/>
-              <a:t> vs =+</a:t>
+              <a:t> vs +=</a:t>
             </a:r>
           </a:p>
           <a:p>
@@ -14700,6 +14815,18 @@
               <a:t>Runsapces</a:t>
             </a:r>
             <a:endParaRPr lang="en-US" dirty="0"/>
+          </a:p>
+          <a:p>
+            <a:r>
+              <a:rPr lang="en-US" dirty="0"/>
+              <a:t>Write-Host vs Write-Output vs WriteLine</a:t>
+            </a:r>
+          </a:p>
+          <a:p>
+            <a:r>
+              <a:rPr lang="en-US" dirty="0"/>
+              <a:t>Function vs in-line code</a:t>
+            </a:r>
           </a:p>
           <a:p>
             <a:pPr marL="0" indent="0">
@@ -15947,6 +16074,12 @@
 </file>
 
 <file path=customXml/item1.xml><?xml version="1.0" encoding="utf-8"?>
+<p:properties xmlns:p="http://schemas.microsoft.com/office/2006/metadata/properties" xmlns:xsi="http://www.w3.org/2001/XMLSchema-instance" xmlns:pc="http://schemas.microsoft.com/office/infopath/2007/PartnerControls">
+  <documentManagement/>
+</p:properties>
+</file>
+
+<file path=customXml/item2.xml><?xml version="1.0" encoding="utf-8"?>
 <ct:contentTypeSchema xmlns:ct="http://schemas.microsoft.com/office/2006/metadata/contentType" xmlns:ma="http://schemas.microsoft.com/office/2006/metadata/properties/metaAttributes" ct:_="" ma:_="" ma:contentTypeName="Document" ma:contentTypeID="0x010100066787FB9552CF40BFF026EAAC52FBCA" ma:contentTypeVersion="11" ma:contentTypeDescription="Create a new document." ma:contentTypeScope="" ma:versionID="2ed11b2951b71aca28e6ba8b18805bb0">
   <xsd:schema xmlns:xsd="http://www.w3.org/2001/XMLSchema" xmlns:xs="http://www.w3.org/2001/XMLSchema" xmlns:p="http://schemas.microsoft.com/office/2006/metadata/properties" xmlns:ns2="0f628621-369a-46c7-83bd-de17ca407533" xmlns:ns3="994c1987-0261-432a-b2ef-a9da39f1b5e2" targetNamespace="http://schemas.microsoft.com/office/2006/metadata/properties" ma:root="true" ma:fieldsID="86e9b361b53a3abe9d7febc1e69b8376" ns2:_="" ns3:_="">
     <xsd:import namespace="0f628621-369a-46c7-83bd-de17ca407533"/>
@@ -16157,12 +16290,6 @@
 </ct:contentTypeSchema>
 </file>
 
-<file path=customXml/item2.xml><?xml version="1.0" encoding="utf-8"?>
-<p:properties xmlns:p="http://schemas.microsoft.com/office/2006/metadata/properties" xmlns:xsi="http://www.w3.org/2001/XMLSchema-instance" xmlns:pc="http://schemas.microsoft.com/office/infopath/2007/PartnerControls">
-  <documentManagement/>
-</p:properties>
-</file>
-
 <file path=customXml/item3.xml><?xml version="1.0" encoding="utf-8"?>
 <?mso-contentType ?>
 <FormTemplates xmlns="http://schemas.microsoft.com/sharepoint/v3/contenttype/forms">
@@ -16173,6 +16300,23 @@
 </file>
 
 <file path=customXml/itemProps1.xml><?xml version="1.0" encoding="utf-8"?>
+<ds:datastoreItem xmlns:ds="http://schemas.openxmlformats.org/officeDocument/2006/customXml" ds:itemID="{AFF96CB3-579C-4369-8AB2-D91B353AC245}">
+  <ds:schemaRefs>
+    <ds:schemaRef ds:uri="http://purl.org/dc/dcmitype/"/>
+    <ds:schemaRef ds:uri="http://www.w3.org/XML/1998/namespace"/>
+    <ds:schemaRef ds:uri="http://schemas.microsoft.com/office/2006/documentManagement/types"/>
+    <ds:schemaRef ds:uri="0f628621-369a-46c7-83bd-de17ca407533"/>
+    <ds:schemaRef ds:uri="http://purl.org/dc/elements/1.1/"/>
+    <ds:schemaRef ds:uri="http://schemas.microsoft.com/office/2006/metadata/properties"/>
+    <ds:schemaRef ds:uri="http://purl.org/dc/terms/"/>
+    <ds:schemaRef ds:uri="http://schemas.microsoft.com/office/infopath/2007/PartnerControls"/>
+    <ds:schemaRef ds:uri="http://schemas.openxmlformats.org/package/2006/metadata/core-properties"/>
+    <ds:schemaRef ds:uri="994c1987-0261-432a-b2ef-a9da39f1b5e2"/>
+  </ds:schemaRefs>
+</ds:datastoreItem>
+</file>
+
+<file path=customXml/itemProps2.xml><?xml version="1.0" encoding="utf-8"?>
 <ds:datastoreItem xmlns:ds="http://schemas.openxmlformats.org/officeDocument/2006/customXml" ds:itemID="{43542BB8-022C-40FE-A268-491142681EB5}">
   <ds:schemaRefs>
     <ds:schemaRef ds:uri="http://schemas.microsoft.com/office/2006/metadata/contentType"/>
@@ -16191,23 +16335,6 @@
 </ds:datastoreItem>
 </file>
 
-<file path=customXml/itemProps2.xml><?xml version="1.0" encoding="utf-8"?>
-<ds:datastoreItem xmlns:ds="http://schemas.openxmlformats.org/officeDocument/2006/customXml" ds:itemID="{AFF96CB3-579C-4369-8AB2-D91B353AC245}">
-  <ds:schemaRefs>
-    <ds:schemaRef ds:uri="http://purl.org/dc/dcmitype/"/>
-    <ds:schemaRef ds:uri="http://www.w3.org/XML/1998/namespace"/>
-    <ds:schemaRef ds:uri="http://schemas.microsoft.com/office/2006/documentManagement/types"/>
-    <ds:schemaRef ds:uri="0f628621-369a-46c7-83bd-de17ca407533"/>
-    <ds:schemaRef ds:uri="http://purl.org/dc/elements/1.1/"/>
-    <ds:schemaRef ds:uri="http://schemas.microsoft.com/office/2006/metadata/properties"/>
-    <ds:schemaRef ds:uri="http://purl.org/dc/terms/"/>
-    <ds:schemaRef ds:uri="http://schemas.microsoft.com/office/infopath/2007/PartnerControls"/>
-    <ds:schemaRef ds:uri="http://schemas.openxmlformats.org/package/2006/metadata/core-properties"/>
-    <ds:schemaRef ds:uri="994c1987-0261-432a-b2ef-a9da39f1b5e2"/>
-  </ds:schemaRefs>
-</ds:datastoreItem>
-</file>
-
 <file path=customXml/itemProps3.xml><?xml version="1.0" encoding="utf-8"?>
 <ds:datastoreItem xmlns:ds="http://schemas.openxmlformats.org/officeDocument/2006/customXml" ds:itemID="{8F9099B0-B9E3-45A6-848D-7EA25626C078}">
   <ds:schemaRefs>
